--- a/Scientific_work_Kumin.pptx
+++ b/Scientific_work_Kumin.pptx
@@ -118,6 +118,134 @@
 </p:presentation>
 </file>
 
+<file path=ppt/commentAuthors.xml><?xml version="1.0" encoding="utf-8"?>
+<p:cmAuthorLst xmlns:a="http://schemas.openxmlformats.org/drawingml/2006/main" xmlns:r="http://schemas.openxmlformats.org/officeDocument/2006/relationships" xmlns:p="http://schemas.openxmlformats.org/presentationml/2006/main">
+  <p:cmAuthor id="1" name="Евгений" initials="Е" lastIdx="11" clrIdx="0">
+    <p:extLst>
+      <p:ext uri="{19B8F6BF-5375-455C-9EA6-DF929625EA0E}">
+        <p15:presenceInfo xmlns:p15="http://schemas.microsoft.com/office/powerpoint/2012/main" userId="25a169d5970a0415" providerId="Windows Live"/>
+      </p:ext>
+    </p:extLst>
+  </p:cmAuthor>
+</p:cmAuthorLst>
+</file>
+
+<file path=ppt/comments/comment1.xml><?xml version="1.0" encoding="utf-8"?>
+<p:cmLst xmlns:a="http://schemas.openxmlformats.org/drawingml/2006/main" xmlns:r="http://schemas.openxmlformats.org/officeDocument/2006/relationships" xmlns:p="http://schemas.openxmlformats.org/presentationml/2006/main">
+  <p:cm authorId="1" dt="2020-06-09T13:09:18.942" idx="1">
+    <p:pos x="10" y="10"/>
+    <p:text/>
+    <p:extLst>
+      <p:ext uri="{C676402C-5697-4E1C-873F-D02D1690AC5C}">
+        <p15:threadingInfo xmlns:p15="http://schemas.microsoft.com/office/powerpoint/2012/main" timeZoneBias="-180"/>
+      </p:ext>
+    </p:extLst>
+  </p:cm>
+  <p:cm authorId="1" dt="2020-06-09T13:44:27.860" idx="10">
+    <p:pos x="10" y="146"/>
+    <p:text>Наверное, первый слайд должен быть
+"Постановка задачи"</p:text>
+    <p:extLst>
+      <p:ext uri="{C676402C-5697-4E1C-873F-D02D1690AC5C}">
+        <p15:threadingInfo xmlns:p15="http://schemas.microsoft.com/office/powerpoint/2012/main" timeZoneBias="-180">
+          <p15:parentCm authorId="1" idx="1"/>
+        </p15:threadingInfo>
+      </p:ext>
+    </p:extLst>
+  </p:cm>
+</p:cmLst>
+</file>
+
+<file path=ppt/comments/comment2.xml><?xml version="1.0" encoding="utf-8"?>
+<p:cmLst xmlns:a="http://schemas.openxmlformats.org/drawingml/2006/main" xmlns:r="http://schemas.openxmlformats.org/officeDocument/2006/relationships" xmlns:p="http://schemas.openxmlformats.org/presentationml/2006/main">
+  <p:cm authorId="1" dt="2020-06-09T13:13:09.268" idx="2">
+    <p:pos x="5299" y="1181"/>
+    <p:text>Литературу сделать отдельным слайдом в конце</p:text>
+    <p:extLst>
+      <p:ext uri="{C676402C-5697-4E1C-873F-D02D1690AC5C}">
+        <p15:threadingInfo xmlns:p15="http://schemas.microsoft.com/office/powerpoint/2012/main" timeZoneBias="-180"/>
+      </p:ext>
+    </p:extLst>
+  </p:cm>
+  <p:cm authorId="1" dt="2020-06-09T13:13:36.366" idx="3">
+    <p:pos x="10" y="10"/>
+    <p:text>Слушатели не читали статью и не знают эти методы.
+Надо написать подробнее, например
+1 способ разбиения с параметром близости h
+2 способ разбиения - поэтапный с параметрами h0, h1, ...</p:text>
+    <p:extLst>
+      <p:ext uri="{C676402C-5697-4E1C-873F-D02D1690AC5C}">
+        <p15:threadingInfo xmlns:p15="http://schemas.microsoft.com/office/powerpoint/2012/main" timeZoneBias="-180"/>
+      </p:ext>
+    </p:extLst>
+  </p:cm>
+</p:cmLst>
+</file>
+
+<file path=ppt/comments/comment3.xml><?xml version="1.0" encoding="utf-8"?>
+<p:cmLst xmlns:a="http://schemas.openxmlformats.org/drawingml/2006/main" xmlns:r="http://schemas.openxmlformats.org/officeDocument/2006/relationships" xmlns:p="http://schemas.openxmlformats.org/presentationml/2006/main">
+  <p:cm authorId="1" dt="2020-06-09T13:26:26.518" idx="5">
+    <p:pos x="4026" y="1423"/>
+    <p:text>Добавить, что исходные данные отвергаются критерием</p:text>
+    <p:extLst>
+      <p:ext uri="{C676402C-5697-4E1C-873F-D02D1690AC5C}">
+        <p15:threadingInfo xmlns:p15="http://schemas.microsoft.com/office/powerpoint/2012/main" timeZoneBias="-180"/>
+      </p:ext>
+    </p:extLst>
+  </p:cm>
+  <p:cm authorId="1" dt="2020-06-09T13:27:24.727" idx="6">
+    <p:pos x="2494" y="3623"/>
+    <p:text>Не упростить, а 
+позволяют представить в  виде последовательности</p:text>
+    <p:extLst>
+      <p:ext uri="{C676402C-5697-4E1C-873F-D02D1690AC5C}">
+        <p15:threadingInfo xmlns:p15="http://schemas.microsoft.com/office/powerpoint/2012/main" timeZoneBias="-180"/>
+      </p:ext>
+    </p:extLst>
+  </p:cm>
+</p:cmLst>
+</file>
+
+<file path=ppt/comments/comment4.xml><?xml version="1.0" encoding="utf-8"?>
+<p:cmLst xmlns:a="http://schemas.openxmlformats.org/drawingml/2006/main" xmlns:r="http://schemas.openxmlformats.org/officeDocument/2006/relationships" xmlns:p="http://schemas.openxmlformats.org/presentationml/2006/main">
+  <p:cm authorId="1" dt="2020-06-09T13:32:37.178" idx="7">
+    <p:pos x="3610" y="2019"/>
+    <p:text>писать f(x) для дискретных случайных величин нельзя
+нужно другое обозначение, по сути, это многоугольник распределения</p:text>
+    <p:extLst>
+      <p:ext uri="{C676402C-5697-4E1C-873F-D02D1690AC5C}">
+        <p15:threadingInfo xmlns:p15="http://schemas.microsoft.com/office/powerpoint/2012/main" timeZoneBias="-180"/>
+      </p:ext>
+    </p:extLst>
+  </p:cm>
+  <p:cm authorId="1" dt="2020-06-09T13:35:22.968" idx="8">
+    <p:pos x="3387" y="806"/>
+    <p:text>Надо написать или сказать, что геом. или пуасс. распределение плохо описывает распр. размера группы из-за наличия выбросов
+первый путь отбросить значения
+второй - рассмотреть смесь</p:text>
+    <p:extLst>
+      <p:ext uri="{C676402C-5697-4E1C-873F-D02D1690AC5C}">
+        <p15:threadingInfo xmlns:p15="http://schemas.microsoft.com/office/powerpoint/2012/main" timeZoneBias="-180"/>
+      </p:ext>
+    </p:extLst>
+  </p:cm>
+</p:cmLst>
+</file>
+
+<file path=ppt/comments/comment5.xml><?xml version="1.0" encoding="utf-8"?>
+<p:cmLst xmlns:a="http://schemas.openxmlformats.org/drawingml/2006/main" xmlns:r="http://schemas.openxmlformats.org/officeDocument/2006/relationships" xmlns:p="http://schemas.openxmlformats.org/presentationml/2006/main">
+  <p:cm authorId="1" dt="2020-06-09T13:40:24.197" idx="9">
+    <p:pos x="10" y="10"/>
+    <p:text>Литература</p:text>
+    <p:extLst>
+      <p:ext uri="{C676402C-5697-4E1C-873F-D02D1690AC5C}">
+        <p15:threadingInfo xmlns:p15="http://schemas.microsoft.com/office/powerpoint/2012/main" timeZoneBias="-180"/>
+      </p:ext>
+    </p:extLst>
+  </p:cm>
+</p:cmLst>
+</file>
+
 <file path=ppt/slideLayouts/slideLayout1.xml><?xml version="1.0" encoding="utf-8"?>
 <p:sldLayout xmlns:a="http://schemas.openxmlformats.org/drawingml/2006/main" xmlns:r="http://schemas.openxmlformats.org/officeDocument/2006/relationships" xmlns:p="http://schemas.openxmlformats.org/presentationml/2006/main" type="title" preserve="1">
   <p:cSld name="Титульный слайд">
@@ -249,7 +377,7 @@
           <a:p>
             <a:fld id="{C764DE79-268F-4C1A-8933-263129D2AF90}" type="datetimeFigureOut">
               <a:rPr lang="en-US" dirty="0"/>
-              <a:t>6/8/2020</a:t>
+              <a:t>6/9/2020</a:t>
             </a:fld>
             <a:endParaRPr lang="en-US" dirty="0"/>
           </a:p>
@@ -414,7 +542,7 @@
           <a:p>
             <a:fld id="{C764DE79-268F-4C1A-8933-263129D2AF90}" type="datetimeFigureOut">
               <a:rPr lang="en-US" dirty="0"/>
-              <a:t>6/8/2020</a:t>
+              <a:t>6/9/2020</a:t>
             </a:fld>
             <a:endParaRPr lang="en-US" dirty="0"/>
           </a:p>
@@ -589,7 +717,7 @@
           <a:p>
             <a:fld id="{C764DE79-268F-4C1A-8933-263129D2AF90}" type="datetimeFigureOut">
               <a:rPr lang="en-US" dirty="0"/>
-              <a:t>6/8/2020</a:t>
+              <a:t>6/9/2020</a:t>
             </a:fld>
             <a:endParaRPr lang="en-US" dirty="0"/>
           </a:p>
@@ -754,7 +882,7 @@
           <a:p>
             <a:fld id="{C764DE79-268F-4C1A-8933-263129D2AF90}" type="datetimeFigureOut">
               <a:rPr lang="en-US" dirty="0"/>
-              <a:t>6/8/2020</a:t>
+              <a:t>6/9/2020</a:t>
             </a:fld>
             <a:endParaRPr lang="en-US" dirty="0"/>
           </a:p>
@@ -995,7 +1123,7 @@
           <a:p>
             <a:fld id="{C764DE79-268F-4C1A-8933-263129D2AF90}" type="datetimeFigureOut">
               <a:rPr lang="en-US" dirty="0"/>
-              <a:t>6/8/2020</a:t>
+              <a:t>6/9/2020</a:t>
             </a:fld>
             <a:endParaRPr lang="en-US" dirty="0"/>
           </a:p>
@@ -1222,7 +1350,7 @@
           <a:p>
             <a:fld id="{C764DE79-268F-4C1A-8933-263129D2AF90}" type="datetimeFigureOut">
               <a:rPr lang="en-US" dirty="0"/>
-              <a:t>6/8/2020</a:t>
+              <a:t>6/9/2020</a:t>
             </a:fld>
             <a:endParaRPr lang="en-US" dirty="0"/>
           </a:p>
@@ -1584,7 +1712,7 @@
           <a:p>
             <a:fld id="{C764DE79-268F-4C1A-8933-263129D2AF90}" type="datetimeFigureOut">
               <a:rPr lang="en-US" dirty="0"/>
-              <a:t>6/8/2020</a:t>
+              <a:t>6/9/2020</a:t>
             </a:fld>
             <a:endParaRPr lang="en-US" dirty="0"/>
           </a:p>
@@ -1697,7 +1825,7 @@
           <a:p>
             <a:fld id="{C764DE79-268F-4C1A-8933-263129D2AF90}" type="datetimeFigureOut">
               <a:rPr lang="en-US" dirty="0"/>
-              <a:t>6/8/2020</a:t>
+              <a:t>6/9/2020</a:t>
             </a:fld>
             <a:endParaRPr lang="en-US" dirty="0"/>
           </a:p>
@@ -1787,7 +1915,7 @@
           <a:p>
             <a:fld id="{C764DE79-268F-4C1A-8933-263129D2AF90}" type="datetimeFigureOut">
               <a:rPr lang="en-US" dirty="0"/>
-              <a:t>6/8/2020</a:t>
+              <a:t>6/9/2020</a:t>
             </a:fld>
             <a:endParaRPr lang="en-US" dirty="0"/>
           </a:p>
@@ -2059,7 +2187,7 @@
           <a:p>
             <a:fld id="{C764DE79-268F-4C1A-8933-263129D2AF90}" type="datetimeFigureOut">
               <a:rPr lang="en-US" dirty="0"/>
-              <a:t>6/8/2020</a:t>
+              <a:t>6/9/2020</a:t>
             </a:fld>
             <a:endParaRPr lang="en-US" dirty="0"/>
           </a:p>
@@ -2311,7 +2439,7 @@
           <a:p>
             <a:fld id="{C764DE79-268F-4C1A-8933-263129D2AF90}" type="datetimeFigureOut">
               <a:rPr lang="en-US" dirty="0"/>
-              <a:t>6/8/2020</a:t>
+              <a:t>6/9/2020</a:t>
             </a:fld>
             <a:endParaRPr lang="en-US" dirty="0"/>
           </a:p>
@@ -2519,7 +2647,7 @@
           <a:p>
             <a:fld id="{C764DE79-268F-4C1A-8933-263129D2AF90}" type="datetimeFigureOut">
               <a:rPr lang="en-US" dirty="0"/>
-              <a:t>6/8/2020</a:t>
+              <a:t>6/9/2020</a:t>
             </a:fld>
             <a:endParaRPr lang="en-US" dirty="0"/>
           </a:p>
@@ -2980,7 +3108,21 @@
             </a:br>
             <a:r>
               <a:rPr lang="ru-RU" dirty="0"/>
-              <a:t>Научный руководитель: Кудрявцев Евгений Владимирович</a:t>
+              <a:t>Научный руководитель: </a:t>
+            </a:r>
+            <a:br>
+              <a:rPr lang="ru-RU" dirty="0"/>
+            </a:br>
+            <a:r>
+              <a:rPr lang="ru-RU" dirty="0"/>
+              <a:t>			ассистент Кудрявцев Евгений Владимирович,</a:t>
+            </a:r>
+            <a:br>
+              <a:rPr lang="ru-RU" dirty="0"/>
+            </a:br>
+            <a:r>
+              <a:rPr lang="ru-RU" dirty="0"/>
+              <a:t>			профессор Федоткин Михаил Андреевич</a:t>
             </a:r>
           </a:p>
         </p:txBody>
@@ -3038,7 +3180,7 @@
           <a:p>
             <a:r>
               <a:rPr lang="ru-RU" dirty="0"/>
-              <a:t>Описание работы</a:t>
+              <a:t>Постановка задачи</a:t>
             </a:r>
           </a:p>
         </p:txBody>
@@ -3062,47 +3204,31 @@
         <p:spPr/>
         <p:txBody>
           <a:bodyPr>
-            <a:normAutofit fontScale="92500" lnSpcReduction="10000"/>
+            <a:normAutofit lnSpcReduction="10000"/>
           </a:bodyPr>
           <a:lstStyle/>
           <a:p>
             <a:r>
               <a:rPr lang="ru-RU" dirty="0"/>
-              <a:t>В ходе работы были сделаны:</a:t>
-            </a:r>
-          </a:p>
-          <a:p>
-            <a:pPr lvl="1"/>
+              <a:t>Необходимо определить вероятностную структуру реального потока</a:t>
+            </a:r>
+          </a:p>
+          <a:p>
             <a:r>
               <a:rPr lang="ru-RU" dirty="0"/>
-              <a:t>Реализация нелокальных способов описания потоков сложной структуры</a:t>
-            </a:r>
-          </a:p>
-          <a:p>
-            <a:pPr lvl="1"/>
+              <a:t>Представить поток в виде последовательностей независимых случайных величин с помощью нелокальные способы описания </a:t>
+            </a:r>
+          </a:p>
+          <a:p>
             <a:r>
               <a:rPr lang="ru-RU" dirty="0"/>
-              <a:t>Оценка параметров и проверка гипотез о распределении</a:t>
+              <a:t>Реализация методов разбиения потоков сложной структуры</a:t>
             </a:r>
           </a:p>
           <a:p>
             <a:r>
               <a:rPr lang="ru-RU" dirty="0"/>
-              <a:t>Нелокальные способы описания входного потока</a:t>
-            </a:r>
-            <a:r>
-              <a:rPr lang="en-US" dirty="0"/>
-              <a:t> – </a:t>
-            </a:r>
-            <a:r>
-              <a:rPr lang="ru-RU" dirty="0"/>
-              <a:t>упрощает вид входного потока сложной структуры</a:t>
-            </a:r>
-          </a:p>
-          <a:p>
-            <a:r>
-              <a:rPr lang="ru-RU" dirty="0"/>
-              <a:t>Поток сложной структуры – описание вероятностной структуры невозможно</a:t>
+              <a:t>Оценка параметров и проверка гипотез о виде распределения</a:t>
             </a:r>
             <a:endParaRPr lang="en-US" dirty="0"/>
           </a:p>
@@ -4518,8 +4644,8 @@
           </a:p>
         </p:txBody>
       </p:sp>
-      <mc:AlternateContent xmlns:mc="http://schemas.openxmlformats.org/markup-compatibility/2006">
-        <mc:Choice xmlns:a14="http://schemas.microsoft.com/office/drawing/2010/main" Requires="a14">
+      <mc:AlternateContent xmlns:mc="http://schemas.openxmlformats.org/markup-compatibility/2006" xmlns:a14="http://schemas.microsoft.com/office/drawing/2010/main">
+        <mc:Choice Requires="a14">
           <p:sp>
             <p:nvSpPr>
               <p:cNvPr id="4" name="Прямоугольник 3">
@@ -4601,7 +4727,7 @@
             </p:txBody>
           </p:sp>
         </mc:Choice>
-        <mc:Fallback>
+        <mc:Fallback xmlns="">
           <p:sp>
             <p:nvSpPr>
               <p:cNvPr id="4" name="Прямоугольник 3">
@@ -4646,8 +4772,8 @@
           </p:sp>
         </mc:Fallback>
       </mc:AlternateContent>
-      <mc:AlternateContent xmlns:mc="http://schemas.openxmlformats.org/markup-compatibility/2006">
-        <mc:Choice xmlns:a14="http://schemas.microsoft.com/office/drawing/2010/main" Requires="a14">
+      <mc:AlternateContent xmlns:mc="http://schemas.openxmlformats.org/markup-compatibility/2006" xmlns:a14="http://schemas.microsoft.com/office/drawing/2010/main">
+        <mc:Choice Requires="a14">
           <p:sp>
             <p:nvSpPr>
               <p:cNvPr id="5" name="Прямоугольник 4">
@@ -4733,7 +4859,7 @@
             </p:txBody>
           </p:sp>
         </mc:Choice>
-        <mc:Fallback>
+        <mc:Fallback xmlns="">
           <p:sp>
             <p:nvSpPr>
               <p:cNvPr id="5" name="Прямоугольник 4">

--- a/Scientific_work_Kumin.pptx
+++ b/Scientific_work_Kumin.pptx
@@ -4,6 +4,12 @@
   <p:sldMasterIdLst>
     <p:sldMasterId id="2147483648" r:id="rId1"/>
   </p:sldMasterIdLst>
+  <p:notesMasterIdLst>
+    <p:notesMasterId r:id="rId9"/>
+  </p:notesMasterIdLst>
+  <p:handoutMasterIdLst>
+    <p:handoutMasterId r:id="rId10"/>
+  </p:handoutMasterIdLst>
   <p:sldIdLst>
     <p:sldId id="256" r:id="rId2"/>
     <p:sldId id="257" r:id="rId3"/>
@@ -11,7 +17,7 @@
     <p:sldId id="259" r:id="rId5"/>
     <p:sldId id="260" r:id="rId6"/>
     <p:sldId id="261" r:id="rId7"/>
-    <p:sldId id="262" r:id="rId8"/>
+    <p:sldId id="263" r:id="rId8"/>
   </p:sldIdLst>
   <p:sldSz cx="12192000" cy="6858000"/>
   <p:notesSz cx="6858000" cy="9144000"/>
@@ -127,46 +133,18 @@
       </p:ext>
     </p:extLst>
   </p:cmAuthor>
+  <p:cmAuthor id="2" name="Алексей Кумин" initials="АК" lastIdx="1" clrIdx="1">
+    <p:extLst>
+      <p:ext uri="{19B8F6BF-5375-455C-9EA6-DF929625EA0E}">
+        <p15:presenceInfo xmlns:p15="http://schemas.microsoft.com/office/powerpoint/2012/main" userId="010f5b56efaa1073" providerId="Windows Live"/>
+      </p:ext>
+    </p:extLst>
+  </p:cmAuthor>
 </p:cmAuthorLst>
 </file>
 
 <file path=ppt/comments/comment1.xml><?xml version="1.0" encoding="utf-8"?>
 <p:cmLst xmlns:a="http://schemas.openxmlformats.org/drawingml/2006/main" xmlns:r="http://schemas.openxmlformats.org/officeDocument/2006/relationships" xmlns:p="http://schemas.openxmlformats.org/presentationml/2006/main">
-  <p:cm authorId="1" dt="2020-06-09T13:09:18.942" idx="1">
-    <p:pos x="10" y="10"/>
-    <p:text/>
-    <p:extLst>
-      <p:ext uri="{C676402C-5697-4E1C-873F-D02D1690AC5C}">
-        <p15:threadingInfo xmlns:p15="http://schemas.microsoft.com/office/powerpoint/2012/main" timeZoneBias="-180"/>
-      </p:ext>
-    </p:extLst>
-  </p:cm>
-  <p:cm authorId="1" dt="2020-06-09T13:44:27.860" idx="10">
-    <p:pos x="10" y="146"/>
-    <p:text>Наверное, первый слайд должен быть
-"Постановка задачи"</p:text>
-    <p:extLst>
-      <p:ext uri="{C676402C-5697-4E1C-873F-D02D1690AC5C}">
-        <p15:threadingInfo xmlns:p15="http://schemas.microsoft.com/office/powerpoint/2012/main" timeZoneBias="-180">
-          <p15:parentCm authorId="1" idx="1"/>
-        </p15:threadingInfo>
-      </p:ext>
-    </p:extLst>
-  </p:cm>
-</p:cmLst>
-</file>
-
-<file path=ppt/comments/comment2.xml><?xml version="1.0" encoding="utf-8"?>
-<p:cmLst xmlns:a="http://schemas.openxmlformats.org/drawingml/2006/main" xmlns:r="http://schemas.openxmlformats.org/officeDocument/2006/relationships" xmlns:p="http://schemas.openxmlformats.org/presentationml/2006/main">
-  <p:cm authorId="1" dt="2020-06-09T13:13:09.268" idx="2">
-    <p:pos x="5299" y="1181"/>
-    <p:text>Литературу сделать отдельным слайдом в конце</p:text>
-    <p:extLst>
-      <p:ext uri="{C676402C-5697-4E1C-873F-D02D1690AC5C}">
-        <p15:threadingInfo xmlns:p15="http://schemas.microsoft.com/office/powerpoint/2012/main" timeZoneBias="-180"/>
-      </p:ext>
-    </p:extLst>
-  </p:cm>
   <p:cm authorId="1" dt="2020-06-09T13:13:36.366" idx="3">
     <p:pos x="10" y="10"/>
     <p:text>Слушатели не читали статью и не знают эти методы.
@@ -182,7 +160,7 @@
 </p:cmLst>
 </file>
 
-<file path=ppt/comments/comment3.xml><?xml version="1.0" encoding="utf-8"?>
+<file path=ppt/comments/comment2.xml><?xml version="1.0" encoding="utf-8"?>
 <p:cmLst xmlns:a="http://schemas.openxmlformats.org/drawingml/2006/main" xmlns:r="http://schemas.openxmlformats.org/officeDocument/2006/relationships" xmlns:p="http://schemas.openxmlformats.org/presentationml/2006/main">
   <p:cm authorId="1" dt="2020-06-09T13:26:26.518" idx="5">
     <p:pos x="4026" y="1423"/>
@@ -206,7 +184,7 @@
 </p:cmLst>
 </file>
 
-<file path=ppt/comments/comment4.xml><?xml version="1.0" encoding="utf-8"?>
+<file path=ppt/comments/comment3.xml><?xml version="1.0" encoding="utf-8"?>
 <p:cmLst xmlns:a="http://schemas.openxmlformats.org/drawingml/2006/main" xmlns:r="http://schemas.openxmlformats.org/officeDocument/2006/relationships" xmlns:p="http://schemas.openxmlformats.org/presentationml/2006/main">
   <p:cm authorId="1" dt="2020-06-09T13:32:37.178" idx="7">
     <p:pos x="3610" y="2019"/>
@@ -232,18 +210,544 @@
 </p:cmLst>
 </file>
 
-<file path=ppt/comments/comment5.xml><?xml version="1.0" encoding="utf-8"?>
-<p:cmLst xmlns:a="http://schemas.openxmlformats.org/drawingml/2006/main" xmlns:r="http://schemas.openxmlformats.org/officeDocument/2006/relationships" xmlns:p="http://schemas.openxmlformats.org/presentationml/2006/main">
-  <p:cm authorId="1" dt="2020-06-09T13:40:24.197" idx="9">
-    <p:pos x="10" y="10"/>
-    <p:text>Литература</p:text>
+<file path=ppt/handoutMasters/handoutMaster1.xml><?xml version="1.0" encoding="utf-8"?>
+<p:handoutMaster xmlns:a="http://schemas.openxmlformats.org/drawingml/2006/main" xmlns:r="http://schemas.openxmlformats.org/officeDocument/2006/relationships" xmlns:p="http://schemas.openxmlformats.org/presentationml/2006/main">
+  <p:cSld>
+    <p:bg>
+      <p:bgRef idx="1001">
+        <a:schemeClr val="bg1"/>
+      </p:bgRef>
+    </p:bg>
+    <p:spTree>
+      <p:nvGrpSpPr>
+        <p:cNvPr id="1" name=""/>
+        <p:cNvGrpSpPr/>
+        <p:nvPr/>
+      </p:nvGrpSpPr>
+      <p:grpSpPr>
+        <a:xfrm>
+          <a:off x="0" y="0"/>
+          <a:ext cx="0" cy="0"/>
+          <a:chOff x="0" y="0"/>
+          <a:chExt cx="0" cy="0"/>
+        </a:xfrm>
+      </p:grpSpPr>
+      <p:sp>
+        <p:nvSpPr>
+          <p:cNvPr id="2" name="Верхний колонтитул 1">
+            <a:extLst>
+              <a:ext uri="{FF2B5EF4-FFF2-40B4-BE49-F238E27FC236}">
+                <a16:creationId xmlns:a16="http://schemas.microsoft.com/office/drawing/2014/main" id="{BE3FE4CA-3F8C-4E84-9A53-FCCBC3070698}"/>
+              </a:ext>
+            </a:extLst>
+          </p:cNvPr>
+          <p:cNvSpPr>
+            <a:spLocks noGrp="1"/>
+          </p:cNvSpPr>
+          <p:nvPr>
+            <p:ph type="hdr" sz="quarter"/>
+          </p:nvPr>
+        </p:nvSpPr>
+        <p:spPr>
+          <a:xfrm>
+            <a:off x="0" y="0"/>
+            <a:ext cx="2971800" cy="458788"/>
+          </a:xfrm>
+          <a:prstGeom prst="rect">
+            <a:avLst/>
+          </a:prstGeom>
+        </p:spPr>
+        <p:txBody>
+          <a:bodyPr vert="horz" lIns="91440" tIns="45720" rIns="91440" bIns="45720" rtlCol="0"/>
+          <a:lstStyle>
+            <a:lvl1pPr algn="l">
+              <a:defRPr sz="1200"/>
+            </a:lvl1pPr>
+          </a:lstStyle>
+          <a:p>
+            <a:endParaRPr lang="ru-RU"/>
+          </a:p>
+        </p:txBody>
+      </p:sp>
+      <p:sp>
+        <p:nvSpPr>
+          <p:cNvPr id="3" name="Дата 2">
+            <a:extLst>
+              <a:ext uri="{FF2B5EF4-FFF2-40B4-BE49-F238E27FC236}">
+                <a16:creationId xmlns:a16="http://schemas.microsoft.com/office/drawing/2014/main" id="{487C6333-D8E6-463E-80B0-8D95DCE13A55}"/>
+              </a:ext>
+            </a:extLst>
+          </p:cNvPr>
+          <p:cNvSpPr>
+            <a:spLocks noGrp="1"/>
+          </p:cNvSpPr>
+          <p:nvPr>
+            <p:ph type="dt" sz="quarter" idx="1"/>
+          </p:nvPr>
+        </p:nvSpPr>
+        <p:spPr>
+          <a:xfrm>
+            <a:off x="3884613" y="0"/>
+            <a:ext cx="2971800" cy="458788"/>
+          </a:xfrm>
+          <a:prstGeom prst="rect">
+            <a:avLst/>
+          </a:prstGeom>
+        </p:spPr>
+        <p:txBody>
+          <a:bodyPr vert="horz" lIns="91440" tIns="45720" rIns="91440" bIns="45720" rtlCol="0"/>
+          <a:lstStyle>
+            <a:lvl1pPr algn="r">
+              <a:defRPr sz="1200"/>
+            </a:lvl1pPr>
+          </a:lstStyle>
+          <a:p>
+            <a:fld id="{AC5B66F7-FA06-4502-BE44-48906DEDEA6E}" type="datetimeFigureOut">
+              <a:rPr lang="ru-RU" smtClean="0"/>
+              <a:t>19.06.2020</a:t>
+            </a:fld>
+            <a:endParaRPr lang="ru-RU"/>
+          </a:p>
+        </p:txBody>
+      </p:sp>
+      <p:sp>
+        <p:nvSpPr>
+          <p:cNvPr id="4" name="Нижний колонтитул 3">
+            <a:extLst>
+              <a:ext uri="{FF2B5EF4-FFF2-40B4-BE49-F238E27FC236}">
+                <a16:creationId xmlns:a16="http://schemas.microsoft.com/office/drawing/2014/main" id="{E77A7A68-D446-4B68-A7B7-910B551D0CE0}"/>
+              </a:ext>
+            </a:extLst>
+          </p:cNvPr>
+          <p:cNvSpPr>
+            <a:spLocks noGrp="1"/>
+          </p:cNvSpPr>
+          <p:nvPr>
+            <p:ph type="ftr" sz="quarter" idx="2"/>
+          </p:nvPr>
+        </p:nvSpPr>
+        <p:spPr>
+          <a:xfrm>
+            <a:off x="0" y="8685213"/>
+            <a:ext cx="2971800" cy="458787"/>
+          </a:xfrm>
+          <a:prstGeom prst="rect">
+            <a:avLst/>
+          </a:prstGeom>
+        </p:spPr>
+        <p:txBody>
+          <a:bodyPr vert="horz" lIns="91440" tIns="45720" rIns="91440" bIns="45720" rtlCol="0" anchor="b"/>
+          <a:lstStyle>
+            <a:lvl1pPr algn="l">
+              <a:defRPr sz="1200"/>
+            </a:lvl1pPr>
+          </a:lstStyle>
+          <a:p>
+            <a:endParaRPr lang="ru-RU"/>
+          </a:p>
+        </p:txBody>
+      </p:sp>
+      <p:sp>
+        <p:nvSpPr>
+          <p:cNvPr id="5" name="Номер слайда 4">
+            <a:extLst>
+              <a:ext uri="{FF2B5EF4-FFF2-40B4-BE49-F238E27FC236}">
+                <a16:creationId xmlns:a16="http://schemas.microsoft.com/office/drawing/2014/main" id="{1F576702-4DD3-4CD6-BB24-18E202418D97}"/>
+              </a:ext>
+            </a:extLst>
+          </p:cNvPr>
+          <p:cNvSpPr>
+            <a:spLocks noGrp="1"/>
+          </p:cNvSpPr>
+          <p:nvPr>
+            <p:ph type="sldNum" sz="quarter" idx="3"/>
+          </p:nvPr>
+        </p:nvSpPr>
+        <p:spPr>
+          <a:xfrm>
+            <a:off x="3884613" y="8685213"/>
+            <a:ext cx="2971800" cy="458787"/>
+          </a:xfrm>
+          <a:prstGeom prst="rect">
+            <a:avLst/>
+          </a:prstGeom>
+        </p:spPr>
+        <p:txBody>
+          <a:bodyPr vert="horz" lIns="91440" tIns="45720" rIns="91440" bIns="45720" rtlCol="0" anchor="b"/>
+          <a:lstStyle>
+            <a:lvl1pPr algn="r">
+              <a:defRPr sz="1200"/>
+            </a:lvl1pPr>
+          </a:lstStyle>
+          <a:p>
+            <a:fld id="{D7039BD1-F0FB-4429-B911-E9D38D096D0C}" type="slidenum">
+              <a:rPr lang="ru-RU" smtClean="0"/>
+              <a:t>‹#›</a:t>
+            </a:fld>
+            <a:endParaRPr lang="ru-RU"/>
+          </a:p>
+        </p:txBody>
+      </p:sp>
+    </p:spTree>
     <p:extLst>
-      <p:ext uri="{C676402C-5697-4E1C-873F-D02D1690AC5C}">
-        <p15:threadingInfo xmlns:p15="http://schemas.microsoft.com/office/powerpoint/2012/main" timeZoneBias="-180"/>
+      <p:ext uri="{BB962C8B-B14F-4D97-AF65-F5344CB8AC3E}">
+        <p14:creationId xmlns:p14="http://schemas.microsoft.com/office/powerpoint/2010/main" val="1315691564"/>
       </p:ext>
     </p:extLst>
-  </p:cm>
-</p:cmLst>
+  </p:cSld>
+  <p:clrMap bg1="lt1" tx1="dk1" bg2="lt2" tx2="dk2" accent1="accent1" accent2="accent2" accent3="accent3" accent4="accent4" accent5="accent5" accent6="accent6" hlink="hlink" folHlink="folHlink"/>
+  <p:hf hdr="0" ftr="0" dt="0"/>
+</p:handoutMaster>
+</file>
+
+<file path=ppt/notesMasters/notesMaster1.xml><?xml version="1.0" encoding="utf-8"?>
+<p:notesMaster xmlns:a="http://schemas.openxmlformats.org/drawingml/2006/main" xmlns:r="http://schemas.openxmlformats.org/officeDocument/2006/relationships" xmlns:p="http://schemas.openxmlformats.org/presentationml/2006/main">
+  <p:cSld>
+    <p:bg>
+      <p:bgRef idx="1001">
+        <a:schemeClr val="bg1"/>
+      </p:bgRef>
+    </p:bg>
+    <p:spTree>
+      <p:nvGrpSpPr>
+        <p:cNvPr id="1" name=""/>
+        <p:cNvGrpSpPr/>
+        <p:nvPr/>
+      </p:nvGrpSpPr>
+      <p:grpSpPr>
+        <a:xfrm>
+          <a:off x="0" y="0"/>
+          <a:ext cx="0" cy="0"/>
+          <a:chOff x="0" y="0"/>
+          <a:chExt cx="0" cy="0"/>
+        </a:xfrm>
+      </p:grpSpPr>
+      <p:sp>
+        <p:nvSpPr>
+          <p:cNvPr id="2" name="Верхний колонтитул 1"/>
+          <p:cNvSpPr>
+            <a:spLocks noGrp="1"/>
+          </p:cNvSpPr>
+          <p:nvPr>
+            <p:ph type="hdr" sz="quarter"/>
+          </p:nvPr>
+        </p:nvSpPr>
+        <p:spPr>
+          <a:xfrm>
+            <a:off x="0" y="0"/>
+            <a:ext cx="2971800" cy="458788"/>
+          </a:xfrm>
+          <a:prstGeom prst="rect">
+            <a:avLst/>
+          </a:prstGeom>
+        </p:spPr>
+        <p:txBody>
+          <a:bodyPr vert="horz" lIns="91440" tIns="45720" rIns="91440" bIns="45720" rtlCol="0"/>
+          <a:lstStyle>
+            <a:lvl1pPr algn="l">
+              <a:defRPr sz="1200"/>
+            </a:lvl1pPr>
+          </a:lstStyle>
+          <a:p>
+            <a:endParaRPr lang="ru-RU"/>
+          </a:p>
+        </p:txBody>
+      </p:sp>
+      <p:sp>
+        <p:nvSpPr>
+          <p:cNvPr id="3" name="Дата 2"/>
+          <p:cNvSpPr>
+            <a:spLocks noGrp="1"/>
+          </p:cNvSpPr>
+          <p:nvPr>
+            <p:ph type="dt" idx="1"/>
+          </p:nvPr>
+        </p:nvSpPr>
+        <p:spPr>
+          <a:xfrm>
+            <a:off x="3884613" y="0"/>
+            <a:ext cx="2971800" cy="458788"/>
+          </a:xfrm>
+          <a:prstGeom prst="rect">
+            <a:avLst/>
+          </a:prstGeom>
+        </p:spPr>
+        <p:txBody>
+          <a:bodyPr vert="horz" lIns="91440" tIns="45720" rIns="91440" bIns="45720" rtlCol="0"/>
+          <a:lstStyle>
+            <a:lvl1pPr algn="r">
+              <a:defRPr sz="1200"/>
+            </a:lvl1pPr>
+          </a:lstStyle>
+          <a:p>
+            <a:fld id="{7B341A55-890C-4176-BF89-A5198C950A4F}" type="datetimeFigureOut">
+              <a:rPr lang="ru-RU" smtClean="0"/>
+              <a:t>19.06.2020</a:t>
+            </a:fld>
+            <a:endParaRPr lang="ru-RU"/>
+          </a:p>
+        </p:txBody>
+      </p:sp>
+      <p:sp>
+        <p:nvSpPr>
+          <p:cNvPr id="4" name="Образ слайда 3"/>
+          <p:cNvSpPr>
+            <a:spLocks noGrp="1" noRot="1" noChangeAspect="1"/>
+          </p:cNvSpPr>
+          <p:nvPr>
+            <p:ph type="sldImg" idx="2"/>
+          </p:nvPr>
+        </p:nvSpPr>
+        <p:spPr>
+          <a:xfrm>
+            <a:off x="685800" y="1143000"/>
+            <a:ext cx="5486400" cy="3086100"/>
+          </a:xfrm>
+          <a:prstGeom prst="rect">
+            <a:avLst/>
+          </a:prstGeom>
+          <a:noFill/>
+          <a:ln w="12700">
+            <a:solidFill>
+              <a:prstClr val="black"/>
+            </a:solidFill>
+          </a:ln>
+        </p:spPr>
+        <p:txBody>
+          <a:bodyPr vert="horz" lIns="91440" tIns="45720" rIns="91440" bIns="45720" rtlCol="0" anchor="ctr"/>
+          <a:lstStyle/>
+          <a:p>
+            <a:endParaRPr lang="ru-RU"/>
+          </a:p>
+        </p:txBody>
+      </p:sp>
+      <p:sp>
+        <p:nvSpPr>
+          <p:cNvPr id="5" name="Заметки 4"/>
+          <p:cNvSpPr>
+            <a:spLocks noGrp="1"/>
+          </p:cNvSpPr>
+          <p:nvPr>
+            <p:ph type="body" sz="quarter" idx="3"/>
+          </p:nvPr>
+        </p:nvSpPr>
+        <p:spPr>
+          <a:xfrm>
+            <a:off x="685800" y="4400550"/>
+            <a:ext cx="5486400" cy="3600450"/>
+          </a:xfrm>
+          <a:prstGeom prst="rect">
+            <a:avLst/>
+          </a:prstGeom>
+        </p:spPr>
+        <p:txBody>
+          <a:bodyPr vert="horz" lIns="91440" tIns="45720" rIns="91440" bIns="45720" rtlCol="0"/>
+          <a:lstStyle/>
+          <a:p>
+            <a:pPr lvl="0"/>
+            <a:r>
+              <a:rPr lang="ru-RU"/>
+              <a:t>Образец текста</a:t>
+            </a:r>
+          </a:p>
+          <a:p>
+            <a:pPr lvl="1"/>
+            <a:r>
+              <a:rPr lang="ru-RU"/>
+              <a:t>Второй уровень</a:t>
+            </a:r>
+          </a:p>
+          <a:p>
+            <a:pPr lvl="2"/>
+            <a:r>
+              <a:rPr lang="ru-RU"/>
+              <a:t>Третий уровень</a:t>
+            </a:r>
+          </a:p>
+          <a:p>
+            <a:pPr lvl="3"/>
+            <a:r>
+              <a:rPr lang="ru-RU"/>
+              <a:t>Четвертый уровень</a:t>
+            </a:r>
+          </a:p>
+          <a:p>
+            <a:pPr lvl="4"/>
+            <a:r>
+              <a:rPr lang="ru-RU"/>
+              <a:t>Пятый уровень</a:t>
+            </a:r>
+          </a:p>
+        </p:txBody>
+      </p:sp>
+      <p:sp>
+        <p:nvSpPr>
+          <p:cNvPr id="6" name="Нижний колонтитул 5"/>
+          <p:cNvSpPr>
+            <a:spLocks noGrp="1"/>
+          </p:cNvSpPr>
+          <p:nvPr>
+            <p:ph type="ftr" sz="quarter" idx="4"/>
+          </p:nvPr>
+        </p:nvSpPr>
+        <p:spPr>
+          <a:xfrm>
+            <a:off x="0" y="8685213"/>
+            <a:ext cx="2971800" cy="458787"/>
+          </a:xfrm>
+          <a:prstGeom prst="rect">
+            <a:avLst/>
+          </a:prstGeom>
+        </p:spPr>
+        <p:txBody>
+          <a:bodyPr vert="horz" lIns="91440" tIns="45720" rIns="91440" bIns="45720" rtlCol="0" anchor="b"/>
+          <a:lstStyle>
+            <a:lvl1pPr algn="l">
+              <a:defRPr sz="1200"/>
+            </a:lvl1pPr>
+          </a:lstStyle>
+          <a:p>
+            <a:endParaRPr lang="ru-RU"/>
+          </a:p>
+        </p:txBody>
+      </p:sp>
+      <p:sp>
+        <p:nvSpPr>
+          <p:cNvPr id="7" name="Номер слайда 6"/>
+          <p:cNvSpPr>
+            <a:spLocks noGrp="1"/>
+          </p:cNvSpPr>
+          <p:nvPr>
+            <p:ph type="sldNum" sz="quarter" idx="5"/>
+          </p:nvPr>
+        </p:nvSpPr>
+        <p:spPr>
+          <a:xfrm>
+            <a:off x="3884613" y="8685213"/>
+            <a:ext cx="2971800" cy="458787"/>
+          </a:xfrm>
+          <a:prstGeom prst="rect">
+            <a:avLst/>
+          </a:prstGeom>
+        </p:spPr>
+        <p:txBody>
+          <a:bodyPr vert="horz" lIns="91440" tIns="45720" rIns="91440" bIns="45720" rtlCol="0" anchor="b"/>
+          <a:lstStyle>
+            <a:lvl1pPr algn="r">
+              <a:defRPr sz="1200"/>
+            </a:lvl1pPr>
+          </a:lstStyle>
+          <a:p>
+            <a:fld id="{F2AB549C-04C6-433C-A315-CA2628D1BDF1}" type="slidenum">
+              <a:rPr lang="ru-RU" smtClean="0"/>
+              <a:t>‹#›</a:t>
+            </a:fld>
+            <a:endParaRPr lang="ru-RU"/>
+          </a:p>
+        </p:txBody>
+      </p:sp>
+    </p:spTree>
+    <p:extLst>
+      <p:ext uri="{BB962C8B-B14F-4D97-AF65-F5344CB8AC3E}">
+        <p14:creationId xmlns:p14="http://schemas.microsoft.com/office/powerpoint/2010/main" val="2991038365"/>
+      </p:ext>
+    </p:extLst>
+  </p:cSld>
+  <p:clrMap bg1="lt1" tx1="dk1" bg2="lt2" tx2="dk2" accent1="accent1" accent2="accent2" accent3="accent3" accent4="accent4" accent5="accent5" accent6="accent6" hlink="hlink" folHlink="folHlink"/>
+  <p:hf hdr="0" ftr="0" dt="0"/>
+  <p:notesStyle>
+    <a:lvl1pPr marL="0" algn="l" defTabSz="914400" rtl="0" eaLnBrk="1" latinLnBrk="0" hangingPunct="1">
+      <a:defRPr sz="1200" kern="1200">
+        <a:solidFill>
+          <a:schemeClr val="tx1"/>
+        </a:solidFill>
+        <a:latin typeface="+mn-lt"/>
+        <a:ea typeface="+mn-ea"/>
+        <a:cs typeface="+mn-cs"/>
+      </a:defRPr>
+    </a:lvl1pPr>
+    <a:lvl2pPr marL="457200" algn="l" defTabSz="914400" rtl="0" eaLnBrk="1" latinLnBrk="0" hangingPunct="1">
+      <a:defRPr sz="1200" kern="1200">
+        <a:solidFill>
+          <a:schemeClr val="tx1"/>
+        </a:solidFill>
+        <a:latin typeface="+mn-lt"/>
+        <a:ea typeface="+mn-ea"/>
+        <a:cs typeface="+mn-cs"/>
+      </a:defRPr>
+    </a:lvl2pPr>
+    <a:lvl3pPr marL="914400" algn="l" defTabSz="914400" rtl="0" eaLnBrk="1" latinLnBrk="0" hangingPunct="1">
+      <a:defRPr sz="1200" kern="1200">
+        <a:solidFill>
+          <a:schemeClr val="tx1"/>
+        </a:solidFill>
+        <a:latin typeface="+mn-lt"/>
+        <a:ea typeface="+mn-ea"/>
+        <a:cs typeface="+mn-cs"/>
+      </a:defRPr>
+    </a:lvl3pPr>
+    <a:lvl4pPr marL="1371600" algn="l" defTabSz="914400" rtl="0" eaLnBrk="1" latinLnBrk="0" hangingPunct="1">
+      <a:defRPr sz="1200" kern="1200">
+        <a:solidFill>
+          <a:schemeClr val="tx1"/>
+        </a:solidFill>
+        <a:latin typeface="+mn-lt"/>
+        <a:ea typeface="+mn-ea"/>
+        <a:cs typeface="+mn-cs"/>
+      </a:defRPr>
+    </a:lvl4pPr>
+    <a:lvl5pPr marL="1828800" algn="l" defTabSz="914400" rtl="0" eaLnBrk="1" latinLnBrk="0" hangingPunct="1">
+      <a:defRPr sz="1200" kern="1200">
+        <a:solidFill>
+          <a:schemeClr val="tx1"/>
+        </a:solidFill>
+        <a:latin typeface="+mn-lt"/>
+        <a:ea typeface="+mn-ea"/>
+        <a:cs typeface="+mn-cs"/>
+      </a:defRPr>
+    </a:lvl5pPr>
+    <a:lvl6pPr marL="2286000" algn="l" defTabSz="914400" rtl="0" eaLnBrk="1" latinLnBrk="0" hangingPunct="1">
+      <a:defRPr sz="1200" kern="1200">
+        <a:solidFill>
+          <a:schemeClr val="tx1"/>
+        </a:solidFill>
+        <a:latin typeface="+mn-lt"/>
+        <a:ea typeface="+mn-ea"/>
+        <a:cs typeface="+mn-cs"/>
+      </a:defRPr>
+    </a:lvl6pPr>
+    <a:lvl7pPr marL="2743200" algn="l" defTabSz="914400" rtl="0" eaLnBrk="1" latinLnBrk="0" hangingPunct="1">
+      <a:defRPr sz="1200" kern="1200">
+        <a:solidFill>
+          <a:schemeClr val="tx1"/>
+        </a:solidFill>
+        <a:latin typeface="+mn-lt"/>
+        <a:ea typeface="+mn-ea"/>
+        <a:cs typeface="+mn-cs"/>
+      </a:defRPr>
+    </a:lvl7pPr>
+    <a:lvl8pPr marL="3200400" algn="l" defTabSz="914400" rtl="0" eaLnBrk="1" latinLnBrk="0" hangingPunct="1">
+      <a:defRPr sz="1200" kern="1200">
+        <a:solidFill>
+          <a:schemeClr val="tx1"/>
+        </a:solidFill>
+        <a:latin typeface="+mn-lt"/>
+        <a:ea typeface="+mn-ea"/>
+        <a:cs typeface="+mn-cs"/>
+      </a:defRPr>
+    </a:lvl8pPr>
+    <a:lvl9pPr marL="3657600" algn="l" defTabSz="914400" rtl="0" eaLnBrk="1" latinLnBrk="0" hangingPunct="1">
+      <a:defRPr sz="1200" kern="1200">
+        <a:solidFill>
+          <a:schemeClr val="tx1"/>
+        </a:solidFill>
+        <a:latin typeface="+mn-lt"/>
+        <a:ea typeface="+mn-ea"/>
+        <a:cs typeface="+mn-cs"/>
+      </a:defRPr>
+    </a:lvl9pPr>
+  </p:notesStyle>
+</p:notesMaster>
 </file>
 
 <file path=ppt/slideLayouts/slideLayout1.xml><?xml version="1.0" encoding="utf-8"?>
@@ -375,9 +879,9 @@
           <a:bodyPr/>
           <a:lstStyle/>
           <a:p>
-            <a:fld id="{C764DE79-268F-4C1A-8933-263129D2AF90}" type="datetimeFigureOut">
-              <a:rPr lang="en-US" dirty="0"/>
-              <a:t>6/9/2020</a:t>
+            <a:fld id="{70086C78-42DA-42FB-B08C-D460460518CC}" type="datetime1">
+              <a:rPr lang="en-US" smtClean="0"/>
+              <a:t>6/19/2020</a:t>
             </a:fld>
             <a:endParaRPr lang="en-US" dirty="0"/>
           </a:p>
@@ -540,9 +1044,9 @@
           <a:bodyPr/>
           <a:lstStyle/>
           <a:p>
-            <a:fld id="{C764DE79-268F-4C1A-8933-263129D2AF90}" type="datetimeFigureOut">
-              <a:rPr lang="en-US" dirty="0"/>
-              <a:t>6/9/2020</a:t>
+            <a:fld id="{C3D4790E-E5F2-48F9-8B02-6A40D2DFDD6B}" type="datetime1">
+              <a:rPr lang="en-US" smtClean="0"/>
+              <a:t>6/19/2020</a:t>
             </a:fld>
             <a:endParaRPr lang="en-US" dirty="0"/>
           </a:p>
@@ -715,9 +1219,9 @@
           <a:bodyPr/>
           <a:lstStyle/>
           <a:p>
-            <a:fld id="{C764DE79-268F-4C1A-8933-263129D2AF90}" type="datetimeFigureOut">
-              <a:rPr lang="en-US" dirty="0"/>
-              <a:t>6/9/2020</a:t>
+            <a:fld id="{B8CBF8B0-E5E2-4B4A-9C05-DA44EA2C6991}" type="datetime1">
+              <a:rPr lang="en-US" smtClean="0"/>
+              <a:t>6/19/2020</a:t>
             </a:fld>
             <a:endParaRPr lang="en-US" dirty="0"/>
           </a:p>
@@ -880,9 +1384,9 @@
           <a:bodyPr/>
           <a:lstStyle/>
           <a:p>
-            <a:fld id="{C764DE79-268F-4C1A-8933-263129D2AF90}" type="datetimeFigureOut">
-              <a:rPr lang="en-US" dirty="0"/>
-              <a:t>6/9/2020</a:t>
+            <a:fld id="{09AD813E-91A5-46FC-9D8E-BDCA3E484344}" type="datetime1">
+              <a:rPr lang="en-US" smtClean="0"/>
+              <a:t>6/19/2020</a:t>
             </a:fld>
             <a:endParaRPr lang="en-US" dirty="0"/>
           </a:p>
@@ -1121,9 +1625,9 @@
           <a:bodyPr/>
           <a:lstStyle/>
           <a:p>
-            <a:fld id="{C764DE79-268F-4C1A-8933-263129D2AF90}" type="datetimeFigureOut">
-              <a:rPr lang="en-US" dirty="0"/>
-              <a:t>6/9/2020</a:t>
+            <a:fld id="{79695E56-E6F4-4C32-9178-256D4F684E2D}" type="datetime1">
+              <a:rPr lang="en-US" smtClean="0"/>
+              <a:t>6/19/2020</a:t>
             </a:fld>
             <a:endParaRPr lang="en-US" dirty="0"/>
           </a:p>
@@ -1348,9 +1852,9 @@
           <a:bodyPr/>
           <a:lstStyle/>
           <a:p>
-            <a:fld id="{C764DE79-268F-4C1A-8933-263129D2AF90}" type="datetimeFigureOut">
-              <a:rPr lang="en-US" dirty="0"/>
-              <a:t>6/9/2020</a:t>
+            <a:fld id="{454EA13E-BB02-489B-BBA1-F8B7AE9CBD9A}" type="datetime1">
+              <a:rPr lang="en-US" smtClean="0"/>
+              <a:t>6/19/2020</a:t>
             </a:fld>
             <a:endParaRPr lang="en-US" dirty="0"/>
           </a:p>
@@ -1710,9 +2214,9 @@
           <a:bodyPr/>
           <a:lstStyle/>
           <a:p>
-            <a:fld id="{C764DE79-268F-4C1A-8933-263129D2AF90}" type="datetimeFigureOut">
-              <a:rPr lang="en-US" dirty="0"/>
-              <a:t>6/9/2020</a:t>
+            <a:fld id="{28E7951B-FBAB-4A5C-8C3E-5F70390C6891}" type="datetime1">
+              <a:rPr lang="en-US" smtClean="0"/>
+              <a:t>6/19/2020</a:t>
             </a:fld>
             <a:endParaRPr lang="en-US" dirty="0"/>
           </a:p>
@@ -1823,9 +2327,9 @@
           <a:bodyPr/>
           <a:lstStyle/>
           <a:p>
-            <a:fld id="{C764DE79-268F-4C1A-8933-263129D2AF90}" type="datetimeFigureOut">
-              <a:rPr lang="en-US" dirty="0"/>
-              <a:t>6/9/2020</a:t>
+            <a:fld id="{AE137132-4B2E-4375-91AD-22FD4D3DFB40}" type="datetime1">
+              <a:rPr lang="en-US" smtClean="0"/>
+              <a:t>6/19/2020</a:t>
             </a:fld>
             <a:endParaRPr lang="en-US" dirty="0"/>
           </a:p>
@@ -1913,9 +2417,9 @@
           <a:bodyPr/>
           <a:lstStyle/>
           <a:p>
-            <a:fld id="{C764DE79-268F-4C1A-8933-263129D2AF90}" type="datetimeFigureOut">
-              <a:rPr lang="en-US" dirty="0"/>
-              <a:t>6/9/2020</a:t>
+            <a:fld id="{CFFA97E4-FFD9-423C-B05A-1238378B3A26}" type="datetime1">
+              <a:rPr lang="en-US" smtClean="0"/>
+              <a:t>6/19/2020</a:t>
             </a:fld>
             <a:endParaRPr lang="en-US" dirty="0"/>
           </a:p>
@@ -2185,9 +2689,9 @@
           <a:bodyPr/>
           <a:lstStyle/>
           <a:p>
-            <a:fld id="{C764DE79-268F-4C1A-8933-263129D2AF90}" type="datetimeFigureOut">
-              <a:rPr lang="en-US" dirty="0"/>
-              <a:t>6/9/2020</a:t>
+            <a:fld id="{60079CCD-BD95-49F8-AE03-74791F6C97E2}" type="datetime1">
+              <a:rPr lang="en-US" smtClean="0"/>
+              <a:t>6/19/2020</a:t>
             </a:fld>
             <a:endParaRPr lang="en-US" dirty="0"/>
           </a:p>
@@ -2437,9 +2941,9 @@
           <a:bodyPr/>
           <a:lstStyle/>
           <a:p>
-            <a:fld id="{C764DE79-268F-4C1A-8933-263129D2AF90}" type="datetimeFigureOut">
-              <a:rPr lang="en-US" dirty="0"/>
-              <a:t>6/9/2020</a:t>
+            <a:fld id="{57EAECC2-70E4-4982-A887-CCEDB396898A}" type="datetime1">
+              <a:rPr lang="en-US" smtClean="0"/>
+              <a:t>6/19/2020</a:t>
             </a:fld>
             <a:endParaRPr lang="en-US" dirty="0"/>
           </a:p>
@@ -2645,9 +3149,9 @@
             </a:lvl1pPr>
           </a:lstStyle>
           <a:p>
-            <a:fld id="{C764DE79-268F-4C1A-8933-263129D2AF90}" type="datetimeFigureOut">
-              <a:rPr lang="en-US" dirty="0"/>
-              <a:t>6/9/2020</a:t>
+            <a:fld id="{2F231504-869E-4F43-89CB-7A9EAB85991F}" type="datetime1">
+              <a:rPr lang="en-US" smtClean="0"/>
+              <a:t>6/19/2020</a:t>
             </a:fld>
             <a:endParaRPr lang="en-US" dirty="0"/>
           </a:p>
@@ -2747,6 +3251,7 @@
     <p:sldLayoutId id="2147483658" r:id="rId10"/>
     <p:sldLayoutId id="2147483659" r:id="rId11"/>
   </p:sldLayoutIdLst>
+  <p:hf hdr="0" ftr="0" dt="0"/>
   <p:txStyles>
     <p:titleStyle>
       <a:lvl1pPr algn="l" defTabSz="914400" rtl="0" eaLnBrk="1" latinLnBrk="0" hangingPunct="1">
@@ -3127,6 +3632,35 @@
           </a:p>
         </p:txBody>
       </p:sp>
+      <p:sp>
+        <p:nvSpPr>
+          <p:cNvPr id="4" name="Номер слайда 3">
+            <a:extLst>
+              <a:ext uri="{FF2B5EF4-FFF2-40B4-BE49-F238E27FC236}">
+                <a16:creationId xmlns:a16="http://schemas.microsoft.com/office/drawing/2014/main" id="{C1273DF2-E884-4EF3-890A-7FFD8E2D2B4B}"/>
+              </a:ext>
+            </a:extLst>
+          </p:cNvPr>
+          <p:cNvSpPr>
+            <a:spLocks noGrp="1"/>
+          </p:cNvSpPr>
+          <p:nvPr>
+            <p:ph type="sldNum" sz="quarter" idx="12"/>
+          </p:nvPr>
+        </p:nvSpPr>
+        <p:spPr/>
+        <p:txBody>
+          <a:bodyPr/>
+          <a:lstStyle/>
+          <a:p>
+            <a:fld id="{48F63A3B-78C7-47BE-AE5E-E10140E04643}" type="slidenum">
+              <a:rPr lang="en-US" smtClean="0"/>
+              <a:t>1</a:t>
+            </a:fld>
+            <a:endParaRPr lang="en-US" dirty="0"/>
+          </a:p>
+        </p:txBody>
+      </p:sp>
     </p:spTree>
     <p:extLst>
       <p:ext uri="{BB962C8B-B14F-4D97-AF65-F5344CB8AC3E}">
@@ -3216,7 +3750,7 @@
           <a:p>
             <a:r>
               <a:rPr lang="ru-RU" dirty="0"/>
-              <a:t>Представить поток в виде последовательностей независимых случайных величин с помощью нелокальные способы описания </a:t>
+              <a:t>Представить поток в виде последовательностей независимых случайных величин с помощью нелокальных способов описания </a:t>
             </a:r>
           </a:p>
           <a:p>
@@ -3290,6 +3824,35 @@
           </a:prstGeom>
         </p:spPr>
       </p:pic>
+      <p:sp>
+        <p:nvSpPr>
+          <p:cNvPr id="5" name="Номер слайда 4">
+            <a:extLst>
+              <a:ext uri="{FF2B5EF4-FFF2-40B4-BE49-F238E27FC236}">
+                <a16:creationId xmlns:a16="http://schemas.microsoft.com/office/drawing/2014/main" id="{08DD8DDF-E002-4F1B-AE36-00A8D0666B73}"/>
+              </a:ext>
+            </a:extLst>
+          </p:cNvPr>
+          <p:cNvSpPr>
+            <a:spLocks noGrp="1"/>
+          </p:cNvSpPr>
+          <p:nvPr>
+            <p:ph type="sldNum" sz="quarter" idx="12"/>
+          </p:nvPr>
+        </p:nvSpPr>
+        <p:spPr/>
+        <p:txBody>
+          <a:bodyPr/>
+          <a:lstStyle/>
+          <a:p>
+            <a:fld id="{48F63A3B-78C7-47BE-AE5E-E10140E04643}" type="slidenum">
+              <a:rPr lang="en-US" smtClean="0"/>
+              <a:t>2</a:t>
+            </a:fld>
+            <a:endParaRPr lang="en-US" dirty="0"/>
+          </a:p>
+        </p:txBody>
+      </p:sp>
     </p:spTree>
     <p:extLst>
       <p:ext uri="{BB962C8B-B14F-4D97-AF65-F5344CB8AC3E}">
@@ -3366,47 +3929,89 @@
         </p:nvSpPr>
         <p:spPr/>
         <p:txBody>
-          <a:bodyPr/>
+          <a:bodyPr>
+            <a:normAutofit/>
+          </a:bodyPr>
           <a:lstStyle/>
           <a:p>
             <a:r>
               <a:rPr lang="ru-RU" dirty="0"/>
-              <a:t>Реализованы два метода(из статьи)</a:t>
+              <a:t>Реализованы два метода</a:t>
+            </a:r>
+            <a:r>
+              <a:rPr lang="en-US" dirty="0"/>
+              <a:t> </a:t>
+            </a:r>
+            <a:r>
+              <a:rPr lang="ru-RU" dirty="0"/>
+              <a:t>(статья </a:t>
+            </a:r>
+            <a:r>
+              <a:rPr lang="en-US" dirty="0"/>
+              <a:t>3</a:t>
+            </a:r>
+            <a:r>
+              <a:rPr lang="ru-RU" dirty="0"/>
+              <a:t>)</a:t>
             </a:r>
           </a:p>
           <a:p>
             <a:pPr lvl="1"/>
             <a:r>
+              <a:rPr lang="ru-RU" dirty="0"/>
+              <a:t>Способ 1 – разбиение с параметром близости </a:t>
+            </a:r>
+            <a:r>
               <a:rPr lang="en-US" dirty="0"/>
-              <a:t>“</a:t>
-            </a:r>
+              <a:t>h</a:t>
+            </a:r>
+            <a:endParaRPr lang="ru-RU" dirty="0"/>
+          </a:p>
+          <a:p>
+            <a:pPr lvl="1"/>
             <a:r>
               <a:rPr lang="ru-RU" dirty="0"/>
-              <a:t>Нелокальный способ 1</a:t>
+              <a:t>Способ 2 – поэтапное разбиение с параметрами близости </a:t>
             </a:r>
             <a:r>
               <a:rPr lang="en-US" dirty="0"/>
-              <a:t>”</a:t>
-            </a:r>
-            <a:endParaRPr lang="ru-RU" dirty="0"/>
-          </a:p>
-          <a:p>
-            <a:pPr lvl="1"/>
+              <a:t>(h</a:t>
+            </a:r>
+            <a:r>
+              <a:rPr lang="ru-RU" dirty="0"/>
+              <a:t>0</a:t>
+            </a:r>
             <a:r>
               <a:rPr lang="en-US" dirty="0"/>
-              <a:t>“</a:t>
+              <a:t>, h</a:t>
             </a:r>
             <a:r>
               <a:rPr lang="ru-RU" dirty="0"/>
-              <a:t>Нелокальный способ 3</a:t>
+              <a:t>1</a:t>
             </a:r>
             <a:r>
               <a:rPr lang="en-US" dirty="0"/>
-              <a:t>”</a:t>
+              <a:t>, h</a:t>
             </a:r>
             <a:r>
               <a:rPr lang="ru-RU" dirty="0"/>
-              <a:t> – обладает большим числом параметров</a:t>
+              <a:t>2)</a:t>
+            </a:r>
+            <a:r>
+              <a:rPr lang="en-US" dirty="0"/>
+              <a:t> </a:t>
+            </a:r>
+            <a:r>
+              <a:rPr lang="ru-RU" dirty="0"/>
+              <a:t>и </a:t>
+            </a:r>
+            <a:r>
+              <a:rPr lang="en-US" dirty="0"/>
+              <a:t>d</a:t>
+            </a:r>
+            <a:r>
+              <a:rPr lang="ru-RU" dirty="0"/>
+              <a:t> – лимит требований в пачке </a:t>
             </a:r>
           </a:p>
           <a:p>
@@ -3428,61 +4033,8 @@
           </a:p>
           <a:p>
             <a:r>
-              <a:rPr lang="en-US" dirty="0"/>
-              <a:t>“</a:t>
-            </a:r>
-            <a:r>
               <a:rPr lang="ru-RU" dirty="0"/>
-              <a:t>Нелокальный способ 3</a:t>
-            </a:r>
-            <a:r>
-              <a:rPr lang="en-US" dirty="0"/>
-              <a:t>”</a:t>
-            </a:r>
-            <a:r>
-              <a:rPr lang="ru-RU" dirty="0"/>
-              <a:t> обладает большими возможностями для настройки разбиения исследователем, за счет большего числа параметров</a:t>
-            </a:r>
-          </a:p>
-        </p:txBody>
-      </p:sp>
-      <p:sp>
-        <p:nvSpPr>
-          <p:cNvPr id="4" name="TextBox 3">
-            <a:extLst>
-              <a:ext uri="{FF2B5EF4-FFF2-40B4-BE49-F238E27FC236}">
-                <a16:creationId xmlns:a16="http://schemas.microsoft.com/office/drawing/2014/main" id="{01E9B821-A006-4388-A41D-B7AF8BE59DF5}"/>
-              </a:ext>
-            </a:extLst>
-          </p:cNvPr>
-          <p:cNvSpPr txBox="1"/>
-          <p:nvPr/>
-        </p:nvSpPr>
-        <p:spPr>
-          <a:xfrm>
-            <a:off x="7581529" y="1558031"/>
-            <a:ext cx="5681709" cy="923330"/>
-          </a:xfrm>
-          <a:prstGeom prst="rect">
-            <a:avLst/>
-          </a:prstGeom>
-          <a:noFill/>
-        </p:spPr>
-        <p:txBody>
-          <a:bodyPr wrap="square" rtlCol="0">
-            <a:spAutoFit/>
-          </a:bodyPr>
-          <a:lstStyle/>
-          <a:p>
-            <a:r>
-              <a:rPr lang="ru-RU" dirty="0">
-                <a:solidFill>
-                  <a:schemeClr val="accent5">
-                    <a:lumMod val="50000"/>
-                  </a:schemeClr>
-                </a:solidFill>
-              </a:rPr>
-              <a:t>Е.В. Кудрявцев, М.А. Федоткин «Изучение характеристик транспортного потока высокой плотности» 2013г</a:t>
+              <a:t>Способ 2 обладает большими возможностями для настройки разбиения исследователем, за счет большего числа параметров</a:t>
             </a:r>
           </a:p>
         </p:txBody>
@@ -3501,7 +4053,7 @@
         </p:nvSpPr>
         <p:spPr>
           <a:xfrm>
-            <a:off x="4083728" y="3377952"/>
+            <a:off x="3829728" y="3631952"/>
             <a:ext cx="1313895" cy="584029"/>
           </a:xfrm>
           <a:prstGeom prst="rect">
@@ -3550,7 +4102,7 @@
         </p:nvSpPr>
         <p:spPr>
           <a:xfrm>
-            <a:off x="5949519" y="3377952"/>
+            <a:off x="5695519" y="3631952"/>
             <a:ext cx="1313895" cy="584029"/>
           </a:xfrm>
           <a:prstGeom prst="rect">
@@ -3601,7 +4153,7 @@
         </p:nvCxnSpPr>
         <p:spPr>
           <a:xfrm>
-            <a:off x="5397623" y="3669966"/>
+            <a:off x="5143623" y="3923966"/>
             <a:ext cx="551896" cy="1"/>
           </a:xfrm>
           <a:prstGeom prst="straightConnector1">
@@ -3642,7 +4194,7 @@
             </p:nvSpPr>
             <p:spPr>
               <a:xfrm>
-                <a:off x="7922210" y="3085937"/>
+                <a:off x="7668210" y="3339937"/>
                 <a:ext cx="3493734" cy="584029"/>
               </a:xfrm>
               <a:prstGeom prst="rect">
@@ -3729,16 +4281,16 @@
             </p:nvSpPr>
             <p:spPr>
               <a:xfrm>
-                <a:off x="7922210" y="3085937"/>
+                <a:off x="7668210" y="3339937"/>
                 <a:ext cx="3493734" cy="584029"/>
               </a:xfrm>
               <a:prstGeom prst="rect">
                 <a:avLst/>
               </a:prstGeom>
               <a:blipFill>
-                <a:blip r:embed="rId2"/>
+                <a:blip r:embed="rId5"/>
                 <a:stretch>
-                  <a:fillRect t="-9184" b="-20408"/>
+                  <a:fillRect t="-9184" b="-19388"/>
                 </a:stretch>
               </a:blipFill>
             </p:spPr>
@@ -3771,7 +4323,7 @@
         </p:nvCxnSpPr>
         <p:spPr>
           <a:xfrm flipV="1">
-            <a:off x="7263414" y="3377952"/>
+            <a:off x="7009414" y="3631952"/>
             <a:ext cx="658796" cy="292014"/>
           </a:xfrm>
           <a:prstGeom prst="straightConnector1">
@@ -3812,7 +4364,7 @@
             </p:nvSpPr>
             <p:spPr>
               <a:xfrm>
-                <a:off x="7922210" y="3820299"/>
+                <a:off x="7668210" y="4074299"/>
                 <a:ext cx="3493735" cy="584029"/>
               </a:xfrm>
               <a:prstGeom prst="rect">
@@ -3902,16 +4454,16 @@
             </p:nvSpPr>
             <p:spPr>
               <a:xfrm>
-                <a:off x="7922210" y="3820299"/>
+                <a:off x="7668210" y="4074299"/>
                 <a:ext cx="3493735" cy="584029"/>
               </a:xfrm>
               <a:prstGeom prst="rect">
                 <a:avLst/>
               </a:prstGeom>
               <a:blipFill>
-                <a:blip r:embed="rId3"/>
+                <a:blip r:embed="rId6"/>
                 <a:stretch>
-                  <a:fillRect t="-9278" b="-20619"/>
+                  <a:fillRect t="-9184" b="-20408"/>
                 </a:stretch>
               </a:blipFill>
             </p:spPr>
@@ -3946,7 +4498,7 @@
         </p:nvCxnSpPr>
         <p:spPr>
           <a:xfrm>
-            <a:off x="7263414" y="3669966"/>
+            <a:off x="7009414" y="3923966"/>
             <a:ext cx="658796" cy="442348"/>
           </a:xfrm>
           <a:prstGeom prst="straightConnector1">
@@ -3971,6 +4523,35 @@
           </a:fontRef>
         </p:style>
       </p:cxnSp>
+      <p:sp>
+        <p:nvSpPr>
+          <p:cNvPr id="4" name="Номер слайда 3">
+            <a:extLst>
+              <a:ext uri="{FF2B5EF4-FFF2-40B4-BE49-F238E27FC236}">
+                <a16:creationId xmlns:a16="http://schemas.microsoft.com/office/drawing/2014/main" id="{592B5F59-560B-4BD3-817E-DD77E1095DE8}"/>
+              </a:ext>
+            </a:extLst>
+          </p:cNvPr>
+          <p:cNvSpPr>
+            <a:spLocks noGrp="1"/>
+          </p:cNvSpPr>
+          <p:nvPr>
+            <p:ph type="sldNum" sz="quarter" idx="12"/>
+          </p:nvPr>
+        </p:nvSpPr>
+        <p:spPr/>
+        <p:txBody>
+          <a:bodyPr/>
+          <a:lstStyle/>
+          <a:p>
+            <a:fld id="{48F63A3B-78C7-47BE-AE5E-E10140E04643}" type="slidenum">
+              <a:rPr lang="en-US" smtClean="0"/>
+              <a:t>3</a:t>
+            </a:fld>
+            <a:endParaRPr lang="en-US" dirty="0"/>
+          </a:p>
+        </p:txBody>
+      </p:sp>
     </p:spTree>
     <p:extLst>
       <p:ext uri="{BB962C8B-B14F-4D97-AF65-F5344CB8AC3E}">
@@ -4074,7 +4655,7 @@
             </a:r>
             <a:r>
               <a:rPr lang="ru-RU" dirty="0"/>
-              <a:t>=0.05)</a:t>
+              <a:t>=0.05) – исходные данные отвергаются критерием</a:t>
             </a:r>
             <a:endParaRPr lang="en-US" dirty="0"/>
           </a:p>
@@ -4096,7 +4677,7 @@
           <a:p>
             <a:r>
               <a:rPr lang="ru-RU" dirty="0"/>
-              <a:t>Результаты показывают, что методы позволяют упростить выборку и разделить ее на последовательности </a:t>
+              <a:t>Результаты показывают, что методы позволяют представить выборку в виде последовательностей </a:t>
             </a:r>
             <a:r>
               <a:rPr lang="ru-RU" dirty="0" err="1"/>
@@ -4526,12 +5107,41 @@
           </a:p>
         </p:txBody>
       </p:sp>
+      <p:sp>
+        <p:nvSpPr>
+          <p:cNvPr id="8" name="Номер слайда 7">
+            <a:extLst>
+              <a:ext uri="{FF2B5EF4-FFF2-40B4-BE49-F238E27FC236}">
+                <a16:creationId xmlns:a16="http://schemas.microsoft.com/office/drawing/2014/main" id="{8D7DB0DC-4299-4911-BC08-75701A340F5C}"/>
+              </a:ext>
+            </a:extLst>
+          </p:cNvPr>
+          <p:cNvSpPr>
+            <a:spLocks noGrp="1"/>
+          </p:cNvSpPr>
+          <p:nvPr>
+            <p:ph type="sldNum" sz="quarter" idx="12"/>
+          </p:nvPr>
+        </p:nvSpPr>
+        <p:spPr/>
+        <p:txBody>
+          <a:bodyPr/>
+          <a:lstStyle/>
+          <a:p>
+            <a:fld id="{48F63A3B-78C7-47BE-AE5E-E10140E04643}" type="slidenum">
+              <a:rPr lang="en-US" smtClean="0"/>
+              <a:t>4</a:t>
+            </a:fld>
+            <a:endParaRPr lang="en-US" dirty="0"/>
+          </a:p>
+        </p:txBody>
+      </p:sp>
       <p:pic>
         <p:nvPicPr>
-          <p:cNvPr id="6" name="Рисунок 5">
+          <p:cNvPr id="9" name="Рисунок 8">
             <a:extLst>
               <a:ext uri="{FF2B5EF4-FFF2-40B4-BE49-F238E27FC236}">
-                <a16:creationId xmlns:a16="http://schemas.microsoft.com/office/drawing/2014/main" id="{2A20B20F-B221-4CF0-96E4-570A738575A1}"/>
+                <a16:creationId xmlns:a16="http://schemas.microsoft.com/office/drawing/2014/main" id="{8A508BFB-FFFC-441E-A0C9-9CFC502AA4CF}"/>
               </a:ext>
             </a:extLst>
           </p:cNvPr>
@@ -4548,8 +5158,8 @@
         </p:blipFill>
         <p:spPr>
           <a:xfrm>
-            <a:off x="674520" y="4296668"/>
-            <a:ext cx="5507206" cy="1018213"/>
+            <a:off x="714703" y="4294813"/>
+            <a:ext cx="5601265" cy="1020068"/>
           </a:xfrm>
           <a:prstGeom prst="rect">
             <a:avLst/>
@@ -4558,10 +5168,10 @@
       </p:pic>
       <p:pic>
         <p:nvPicPr>
-          <p:cNvPr id="7" name="Рисунок 6">
+          <p:cNvPr id="10" name="Рисунок 9">
             <a:extLst>
               <a:ext uri="{FF2B5EF4-FFF2-40B4-BE49-F238E27FC236}">
-                <a16:creationId xmlns:a16="http://schemas.microsoft.com/office/drawing/2014/main" id="{FFAE684B-C144-49D2-BDD3-71A90ADC9B41}"/>
+                <a16:creationId xmlns:a16="http://schemas.microsoft.com/office/drawing/2014/main" id="{FDC65EBA-BC98-43BB-9D64-775EE9229064}"/>
               </a:ext>
             </a:extLst>
           </p:cNvPr>
@@ -4578,8 +5188,8 @@
         </p:blipFill>
         <p:spPr>
           <a:xfrm>
-            <a:off x="6391876" y="4365847"/>
-            <a:ext cx="4958919" cy="949034"/>
+            <a:off x="6338985" y="4290497"/>
+            <a:ext cx="5440363" cy="1020068"/>
           </a:xfrm>
           <a:prstGeom prst="rect">
             <a:avLst/>
@@ -4660,7 +5270,7 @@
             </p:nvSpPr>
             <p:spPr>
               <a:xfrm>
-                <a:off x="704753" y="2621280"/>
+                <a:off x="704812" y="2358522"/>
                 <a:ext cx="3493734" cy="584029"/>
               </a:xfrm>
               <a:prstGeom prst="rect">
@@ -4744,7 +5354,7 @@
             </p:nvSpPr>
             <p:spPr>
               <a:xfrm>
-                <a:off x="704753" y="2621280"/>
+                <a:off x="704812" y="2358522"/>
                 <a:ext cx="3493734" cy="584029"/>
               </a:xfrm>
               <a:prstGeom prst="rect">
@@ -4788,7 +5398,7 @@
             </p:nvSpPr>
             <p:spPr>
               <a:xfrm>
-                <a:off x="704752" y="3355642"/>
+                <a:off x="704811" y="3092884"/>
                 <a:ext cx="3493735" cy="584029"/>
               </a:xfrm>
               <a:prstGeom prst="rect">
@@ -4876,7 +5486,7 @@
             </p:nvSpPr>
             <p:spPr>
               <a:xfrm>
-                <a:off x="704752" y="3355642"/>
+                <a:off x="704811" y="3092884"/>
                 <a:ext cx="3493735" cy="584029"/>
               </a:xfrm>
               <a:prstGeom prst="rect">
@@ -4918,7 +5528,7 @@
         </p:nvSpPr>
         <p:spPr>
           <a:xfrm>
-            <a:off x="4868753" y="2621280"/>
+            <a:off x="4868812" y="2358522"/>
             <a:ext cx="2557509" cy="584029"/>
           </a:xfrm>
           <a:prstGeom prst="rect">
@@ -4970,7 +5580,7 @@
         </p:nvCxnSpPr>
         <p:spPr>
           <a:xfrm flipH="1">
-            <a:off x="4198487" y="2913295"/>
+            <a:off x="4198546" y="2650537"/>
             <a:ext cx="670266" cy="0"/>
           </a:xfrm>
           <a:prstGeom prst="straightConnector1">
@@ -5009,7 +5619,7 @@
         </p:nvSpPr>
         <p:spPr>
           <a:xfrm>
-            <a:off x="4868752" y="3355642"/>
+            <a:off x="4868811" y="3092884"/>
             <a:ext cx="2557509" cy="584029"/>
           </a:xfrm>
           <a:prstGeom prst="rect">
@@ -5062,7 +5672,7 @@
         </p:nvCxnSpPr>
         <p:spPr>
           <a:xfrm flipH="1">
-            <a:off x="4198487" y="3647657"/>
+            <a:off x="4198546" y="3384899"/>
             <a:ext cx="670265" cy="0"/>
           </a:xfrm>
           <a:prstGeom prst="straightConnector1">
@@ -5087,54 +5697,606 @@
           </a:fontRef>
         </p:style>
       </p:cxnSp>
-      <p:sp>
-        <p:nvSpPr>
-          <p:cNvPr id="11" name="Объект 10">
-            <a:extLst>
-              <a:ext uri="{FF2B5EF4-FFF2-40B4-BE49-F238E27FC236}">
-                <a16:creationId xmlns:a16="http://schemas.microsoft.com/office/drawing/2014/main" id="{553F6043-0FCF-45E3-B283-435AA16FB8E0}"/>
-              </a:ext>
-            </a:extLst>
-          </p:cNvPr>
-          <p:cNvSpPr>
-            <a:spLocks noGrp="1"/>
-          </p:cNvSpPr>
-          <p:nvPr>
-            <p:ph idx="1"/>
-          </p:nvPr>
-        </p:nvSpPr>
-        <p:spPr>
-          <a:xfrm>
-            <a:off x="487088" y="1710096"/>
-            <a:ext cx="10515600" cy="4351338"/>
-          </a:xfrm>
-        </p:spPr>
-        <p:txBody>
-          <a:bodyPr/>
-          <a:lstStyle/>
-          <a:p>
-            <a:r>
-              <a:rPr lang="ru-RU" dirty="0"/>
-              <a:t>Для последовательностей были предложены следующие распределения:</a:t>
-            </a:r>
-          </a:p>
-          <a:p>
-            <a:endParaRPr lang="ru-RU" dirty="0"/>
-          </a:p>
-          <a:p>
-            <a:endParaRPr lang="ru-RU" dirty="0"/>
-          </a:p>
-          <a:p>
-            <a:endParaRPr lang="ru-RU" dirty="0"/>
-          </a:p>
-          <a:p>
-            <a:r>
-              <a:rPr lang="ru-RU" dirty="0"/>
-              <a:t>Параметры оценивались методом моментов, а проверка гипотез проводилась критерием хи-квадрат</a:t>
-            </a:r>
-          </a:p>
-        </p:txBody>
-      </p:sp>
+      <mc:AlternateContent xmlns:mc="http://schemas.openxmlformats.org/markup-compatibility/2006">
+        <mc:Choice xmlns:a14="http://schemas.microsoft.com/office/drawing/2010/main" Requires="a14">
+          <p:sp>
+            <p:nvSpPr>
+              <p:cNvPr id="11" name="Объект 10">
+                <a:extLst>
+                  <a:ext uri="{FF2B5EF4-FFF2-40B4-BE49-F238E27FC236}">
+                    <a16:creationId xmlns:a16="http://schemas.microsoft.com/office/drawing/2014/main" id="{553F6043-0FCF-45E3-B283-435AA16FB8E0}"/>
+                  </a:ext>
+                </a:extLst>
+              </p:cNvPr>
+              <p:cNvSpPr>
+                <a:spLocks noGrp="1"/>
+              </p:cNvSpPr>
+              <p:nvPr>
+                <p:ph idx="1"/>
+              </p:nvPr>
+            </p:nvSpPr>
+            <p:spPr>
+              <a:xfrm>
+                <a:off x="487088" y="1710095"/>
+                <a:ext cx="10515600" cy="5268774"/>
+              </a:xfrm>
+            </p:spPr>
+            <p:txBody>
+              <a:bodyPr>
+                <a:normAutofit fontScale="77500" lnSpcReduction="20000"/>
+              </a:bodyPr>
+              <a:lstStyle/>
+              <a:p>
+                <a:r>
+                  <a:rPr lang="ru-RU" dirty="0"/>
+                  <a:t>Для последовательностей были предложены следующие распределения:</a:t>
+                </a:r>
+              </a:p>
+              <a:p>
+                <a:endParaRPr lang="ru-RU" dirty="0"/>
+              </a:p>
+              <a:p>
+                <a:endParaRPr lang="ru-RU" dirty="0"/>
+              </a:p>
+              <a:p>
+                <a:endParaRPr lang="en-US" dirty="0"/>
+              </a:p>
+              <a:p>
+                <a:endParaRPr lang="en-US" dirty="0"/>
+              </a:p>
+              <a:p>
+                <a:pPr marL="0" indent="0">
+                  <a:buNone/>
+                </a:pPr>
+                <a:endParaRPr lang="ru-RU" dirty="0"/>
+              </a:p>
+              <a:p>
+                <a:r>
+                  <a:rPr lang="ru-RU" dirty="0"/>
+                  <a:t>Формулы для смещенного показательного</a:t>
+                </a:r>
+                <a:r>
+                  <a:rPr lang="en-US" dirty="0"/>
+                  <a:t> </a:t>
+                </a:r>
+                <a:r>
+                  <a:rPr lang="ru-RU" dirty="0"/>
+                  <a:t>и смеси смещенного пуассоновского + геометрического</a:t>
+                </a:r>
+                <a:r>
+                  <a:rPr lang="en-US" dirty="0"/>
+                  <a:t> </a:t>
+                </a:r>
+                <a:r>
+                  <a:rPr lang="ru-RU" dirty="0"/>
+                  <a:t>распределений:</a:t>
+                </a:r>
+                <a:br>
+                  <a:rPr lang="ru-RU" dirty="0"/>
+                </a:br>
+                <a:endParaRPr lang="ru-RU" dirty="0"/>
+              </a:p>
+              <a:p>
+                <a:pPr marL="0" indent="0">
+                  <a:buNone/>
+                </a:pPr>
+                <a:r>
+                  <a:rPr lang="ru-RU" dirty="0"/>
+                  <a:t>         </a:t>
+                </a:r>
+                <a14:m>
+                  <m:oMath xmlns:m="http://schemas.openxmlformats.org/officeDocument/2006/math">
+                    <m:sSub>
+                      <m:sSubPr>
+                        <m:ctrlPr>
+                          <a:rPr lang="ru-RU" i="1">
+                            <a:latin typeface="Cambria Math" panose="02040503050406030204" pitchFamily="18" charset="0"/>
+                          </a:rPr>
+                        </m:ctrlPr>
+                      </m:sSubPr>
+                      <m:e>
+                        <m:r>
+                          <a:rPr lang="en-US" i="1">
+                            <a:latin typeface="Cambria Math" panose="02040503050406030204" pitchFamily="18" charset="0"/>
+                          </a:rPr>
+                          <m:t>𝑓</m:t>
+                        </m:r>
+                      </m:e>
+                      <m:sub>
+                        <m:r>
+                          <a:rPr lang="ru-RU" i="1">
+                            <a:latin typeface="Cambria Math" panose="02040503050406030204" pitchFamily="18" charset="0"/>
+                          </a:rPr>
+                          <m:t>𝜉</m:t>
+                        </m:r>
+                      </m:sub>
+                    </m:sSub>
+                    <m:d>
+                      <m:dPr>
+                        <m:ctrlPr>
+                          <a:rPr lang="ru-RU" i="1">
+                            <a:latin typeface="Cambria Math" panose="02040503050406030204" pitchFamily="18" charset="0"/>
+                          </a:rPr>
+                        </m:ctrlPr>
+                      </m:dPr>
+                      <m:e>
+                        <m:r>
+                          <a:rPr lang="ru-RU" i="1">
+                            <a:latin typeface="Cambria Math" panose="02040503050406030204" pitchFamily="18" charset="0"/>
+                          </a:rPr>
+                          <m:t>𝑡</m:t>
+                        </m:r>
+                      </m:e>
+                    </m:d>
+                    <m:r>
+                      <a:rPr lang="ru-RU" i="1">
+                        <a:latin typeface="Cambria Math" panose="02040503050406030204" pitchFamily="18" charset="0"/>
+                      </a:rPr>
+                      <m:t>=</m:t>
+                    </m:r>
+                    <m:d>
+                      <m:dPr>
+                        <m:begChr m:val="{"/>
+                        <m:endChr m:val=""/>
+                        <m:ctrlPr>
+                          <a:rPr lang="ru-RU" i="1">
+                            <a:latin typeface="Cambria Math" panose="02040503050406030204" pitchFamily="18" charset="0"/>
+                          </a:rPr>
+                        </m:ctrlPr>
+                      </m:dPr>
+                      <m:e>
+                        <m:eqArr>
+                          <m:eqArrPr>
+                            <m:ctrlPr>
+                              <a:rPr lang="ru-RU" i="1">
+                                <a:latin typeface="Cambria Math" panose="02040503050406030204" pitchFamily="18" charset="0"/>
+                              </a:rPr>
+                            </m:ctrlPr>
+                          </m:eqArrPr>
+                          <m:e>
+                            <m:r>
+                              <a:rPr lang="ru-RU" i="1">
+                                <a:latin typeface="Cambria Math" panose="02040503050406030204" pitchFamily="18" charset="0"/>
+                              </a:rPr>
+                              <m:t>0, </m:t>
+                            </m:r>
+                            <m:r>
+                              <a:rPr lang="ru-RU" i="1">
+                                <a:latin typeface="Cambria Math" panose="02040503050406030204" pitchFamily="18" charset="0"/>
+                              </a:rPr>
+                              <m:t>𝑡</m:t>
+                            </m:r>
+                            <m:r>
+                              <a:rPr lang="ru-RU" i="1">
+                                <a:latin typeface="Cambria Math" panose="02040503050406030204" pitchFamily="18" charset="0"/>
+                              </a:rPr>
+                              <m:t>≤</m:t>
+                            </m:r>
+                            <m:r>
+                              <a:rPr lang="ru-RU" i="1">
+                                <a:latin typeface="Cambria Math" panose="02040503050406030204" pitchFamily="18" charset="0"/>
+                              </a:rPr>
+                              <m:t>h</m:t>
+                            </m:r>
+                          </m:e>
+                          <m:e>
+                            <m:f>
+                              <m:fPr>
+                                <m:ctrlPr>
+                                  <a:rPr lang="ru-RU" i="1">
+                                    <a:latin typeface="Cambria Math" panose="02040503050406030204" pitchFamily="18" charset="0"/>
+                                  </a:rPr>
+                                </m:ctrlPr>
+                              </m:fPr>
+                              <m:num>
+                                <m:r>
+                                  <a:rPr lang="en-US" i="1">
+                                    <a:latin typeface="Cambria Math" panose="02040503050406030204" pitchFamily="18" charset="0"/>
+                                  </a:rPr>
+                                  <m:t>1</m:t>
+                                </m:r>
+                              </m:num>
+                              <m:den>
+                                <m:r>
+                                  <a:rPr lang="en-US" i="1">
+                                    <a:latin typeface="Cambria Math" panose="02040503050406030204" pitchFamily="18" charset="0"/>
+                                  </a:rPr>
+                                  <m:t>𝜎</m:t>
+                                </m:r>
+                              </m:den>
+                            </m:f>
+                            <m:sSup>
+                              <m:sSupPr>
+                                <m:ctrlPr>
+                                  <a:rPr lang="ru-RU" i="1">
+                                    <a:latin typeface="Cambria Math" panose="02040503050406030204" pitchFamily="18" charset="0"/>
+                                  </a:rPr>
+                                </m:ctrlPr>
+                              </m:sSupPr>
+                              <m:e>
+                                <m:r>
+                                  <a:rPr lang="en-US" i="1">
+                                    <a:latin typeface="Cambria Math" panose="02040503050406030204" pitchFamily="18" charset="0"/>
+                                  </a:rPr>
+                                  <m:t>𝑒</m:t>
+                                </m:r>
+                              </m:e>
+                              <m:sup>
+                                <m:r>
+                                  <a:rPr lang="ru-RU" i="1">
+                                    <a:latin typeface="Cambria Math" panose="02040503050406030204" pitchFamily="18" charset="0"/>
+                                  </a:rPr>
+                                  <m:t>−</m:t>
+                                </m:r>
+                                <m:f>
+                                  <m:fPr>
+                                    <m:ctrlPr>
+                                      <a:rPr lang="ru-RU" i="1">
+                                        <a:latin typeface="Cambria Math" panose="02040503050406030204" pitchFamily="18" charset="0"/>
+                                      </a:rPr>
+                                    </m:ctrlPr>
+                                  </m:fPr>
+                                  <m:num>
+                                    <m:r>
+                                      <a:rPr lang="en-US" i="1">
+                                        <a:latin typeface="Cambria Math" panose="02040503050406030204" pitchFamily="18" charset="0"/>
+                                      </a:rPr>
+                                      <m:t>h</m:t>
+                                    </m:r>
+                                    <m:r>
+                                      <a:rPr lang="en-US" i="1">
+                                        <a:latin typeface="Cambria Math" panose="02040503050406030204" pitchFamily="18" charset="0"/>
+                                      </a:rPr>
+                                      <m:t>−</m:t>
+                                    </m:r>
+                                    <m:r>
+                                      <a:rPr lang="en-US" i="1">
+                                        <a:latin typeface="Cambria Math" panose="02040503050406030204" pitchFamily="18" charset="0"/>
+                                      </a:rPr>
+                                      <m:t>𝑡</m:t>
+                                    </m:r>
+                                  </m:num>
+                                  <m:den>
+                                    <m:r>
+                                      <a:rPr lang="ru-RU" i="1">
+                                        <a:latin typeface="Cambria Math" panose="02040503050406030204" pitchFamily="18" charset="0"/>
+                                      </a:rPr>
+                                      <m:t>𝜎</m:t>
+                                    </m:r>
+                                  </m:den>
+                                </m:f>
+                              </m:sup>
+                            </m:sSup>
+                          </m:e>
+                        </m:eqArr>
+                      </m:e>
+                    </m:d>
+                    <m:r>
+                      <a:rPr lang="ru-RU" b="0" i="1" smtClean="0">
+                        <a:latin typeface="Cambria Math" panose="02040503050406030204" pitchFamily="18" charset="0"/>
+                      </a:rPr>
+                      <m:t>                 </m:t>
+                    </m:r>
+                    <m:r>
+                      <a:rPr lang="ru-RU" i="1"/>
+                      <m:t>𝑃</m:t>
+                    </m:r>
+                    <m:d>
+                      <m:dPr>
+                        <m:ctrlPr>
+                          <a:rPr lang="ru-RU" i="1"/>
+                        </m:ctrlPr>
+                      </m:dPr>
+                      <m:e>
+                        <m:d>
+                          <m:dPr>
+                            <m:begChr m:val="{"/>
+                            <m:endChr m:val="}"/>
+                            <m:ctrlPr>
+                              <a:rPr lang="ru-RU" i="1"/>
+                            </m:ctrlPr>
+                          </m:dPr>
+                          <m:e>
+                            <m:r>
+                              <a:rPr lang="ru-RU" i="1"/>
+                              <m:t>𝜉</m:t>
+                            </m:r>
+                            <m:r>
+                              <a:rPr lang="en-US" i="1"/>
+                              <m:t>=</m:t>
+                            </m:r>
+                            <m:r>
+                              <a:rPr lang="ru-RU" i="1"/>
+                              <m:t>𝑘</m:t>
+                            </m:r>
+                          </m:e>
+                        </m:d>
+                      </m:e>
+                    </m:d>
+                    <m:r>
+                      <a:rPr lang="ru-RU" i="1"/>
+                      <m:t>=</m:t>
+                    </m:r>
+                    <m:d>
+                      <m:dPr>
+                        <m:begChr m:val="{"/>
+                        <m:endChr m:val=""/>
+                        <m:ctrlPr>
+                          <a:rPr lang="ru-RU" i="1"/>
+                        </m:ctrlPr>
+                      </m:dPr>
+                      <m:e>
+                        <m:eqArr>
+                          <m:eqArrPr>
+                            <m:ctrlPr>
+                              <a:rPr lang="ru-RU" i="1"/>
+                            </m:ctrlPr>
+                          </m:eqArrPr>
+                          <m:e>
+                            <m:r>
+                              <a:rPr lang="ru-RU" i="1"/>
+                              <m:t>0, </m:t>
+                            </m:r>
+                            <m:r>
+                              <a:rPr lang="ru-RU" i="1"/>
+                              <m:t>𝑘</m:t>
+                            </m:r>
+                            <m:r>
+                              <a:rPr lang="ru-RU" i="1"/>
+                              <m:t>&lt;1</m:t>
+                            </m:r>
+                          </m:e>
+                          <m:e>
+                            <m:sSup>
+                              <m:sSupPr>
+                                <m:ctrlPr>
+                                  <a:rPr lang="ru-RU" i="1"/>
+                                </m:ctrlPr>
+                              </m:sSupPr>
+                              <m:e>
+                                <m:r>
+                                  <a:rPr lang="en-US" i="1"/>
+                                  <m:t>𝑝</m:t>
+                                </m:r>
+                                <m:d>
+                                  <m:dPr>
+                                    <m:ctrlPr>
+                                      <a:rPr lang="ru-RU" i="1"/>
+                                    </m:ctrlPr>
+                                  </m:dPr>
+                                  <m:e>
+                                    <m:r>
+                                      <a:rPr lang="en-US" i="1"/>
+                                      <m:t>1−</m:t>
+                                    </m:r>
+                                    <m:sSub>
+                                      <m:sSubPr>
+                                        <m:ctrlPr>
+                                          <a:rPr lang="ru-RU" i="1"/>
+                                        </m:ctrlPr>
+                                      </m:sSubPr>
+                                      <m:e>
+                                        <m:r>
+                                          <a:rPr lang="en-US" i="1"/>
+                                          <m:t>𝑎</m:t>
+                                        </m:r>
+                                      </m:e>
+                                      <m:sub>
+                                        <m:r>
+                                          <a:rPr lang="en-US" i="1"/>
+                                          <m:t>1</m:t>
+                                        </m:r>
+                                      </m:sub>
+                                    </m:sSub>
+                                  </m:e>
+                                </m:d>
+                              </m:e>
+                              <m:sup>
+                                <m:r>
+                                  <a:rPr lang="en-US" i="1"/>
+                                  <m:t>𝑘</m:t>
+                                </m:r>
+                                <m:r>
+                                  <a:rPr lang="en-US" i="1"/>
+                                  <m:t>−1</m:t>
+                                </m:r>
+                              </m:sup>
+                            </m:sSup>
+                            <m:sSub>
+                              <m:sSubPr>
+                                <m:ctrlPr>
+                                  <a:rPr lang="ru-RU" i="1"/>
+                                </m:ctrlPr>
+                              </m:sSubPr>
+                              <m:e>
+                                <m:r>
+                                  <a:rPr lang="en-US" i="1"/>
+                                  <m:t>𝑎</m:t>
+                                </m:r>
+                              </m:e>
+                              <m:sub>
+                                <m:r>
+                                  <a:rPr lang="en-US" i="1"/>
+                                  <m:t>1</m:t>
+                                </m:r>
+                              </m:sub>
+                            </m:sSub>
+                            <m:r>
+                              <a:rPr lang="en-US" i="1"/>
+                              <m:t>+(1−</m:t>
+                            </m:r>
+                            <m:r>
+                              <a:rPr lang="en-US" i="1"/>
+                              <m:t>𝑝</m:t>
+                            </m:r>
+                            <m:r>
+                              <a:rPr lang="en-US" i="1"/>
+                              <m:t>)</m:t>
+                            </m:r>
+                            <m:f>
+                              <m:fPr>
+                                <m:ctrlPr>
+                                  <a:rPr lang="ru-RU" i="1"/>
+                                </m:ctrlPr>
+                              </m:fPr>
+                              <m:num>
+                                <m:sSubSup>
+                                  <m:sSubSupPr>
+                                    <m:ctrlPr>
+                                      <a:rPr lang="ru-RU" i="1"/>
+                                    </m:ctrlPr>
+                                  </m:sSubSupPr>
+                                  <m:e>
+                                    <m:r>
+                                      <a:rPr lang="en-US" i="1"/>
+                                      <m:t>𝑎</m:t>
+                                    </m:r>
+                                  </m:e>
+                                  <m:sub>
+                                    <m:r>
+                                      <a:rPr lang="en-US" i="1"/>
+                                      <m:t>2</m:t>
+                                    </m:r>
+                                  </m:sub>
+                                  <m:sup>
+                                    <m:r>
+                                      <a:rPr lang="en-US" i="1"/>
+                                      <m:t>𝑘</m:t>
+                                    </m:r>
+                                    <m:r>
+                                      <a:rPr lang="ru-RU" i="1"/>
+                                      <m:t>−</m:t>
+                                    </m:r>
+                                    <m:r>
+                                      <a:rPr lang="en-US" i="1"/>
+                                      <m:t>1</m:t>
+                                    </m:r>
+                                  </m:sup>
+                                </m:sSubSup>
+                              </m:num>
+                              <m:den>
+                                <m:d>
+                                  <m:dPr>
+                                    <m:ctrlPr>
+                                      <a:rPr lang="ru-RU" i="1"/>
+                                    </m:ctrlPr>
+                                  </m:dPr>
+                                  <m:e>
+                                    <m:r>
+                                      <a:rPr lang="ru-RU" i="1"/>
+                                      <m:t>𝑘</m:t>
+                                    </m:r>
+                                    <m:r>
+                                      <a:rPr lang="ru-RU" i="1"/>
+                                      <m:t>−1</m:t>
+                                    </m:r>
+                                  </m:e>
+                                </m:d>
+                                <m:r>
+                                  <a:rPr lang="ru-RU" i="1"/>
+                                  <m:t>!</m:t>
+                                </m:r>
+                              </m:den>
+                            </m:f>
+                            <m:sSup>
+                              <m:sSupPr>
+                                <m:ctrlPr>
+                                  <a:rPr lang="ru-RU" i="1"/>
+                                </m:ctrlPr>
+                              </m:sSupPr>
+                              <m:e>
+                                <m:r>
+                                  <a:rPr lang="en-US" i="1"/>
+                                  <m:t>𝑒</m:t>
+                                </m:r>
+                              </m:e>
+                              <m:sup>
+                                <m:r>
+                                  <a:rPr lang="ru-RU" i="1"/>
+                                  <m:t>−</m:t>
+                                </m:r>
+                                <m:sSub>
+                                  <m:sSubPr>
+                                    <m:ctrlPr>
+                                      <a:rPr lang="ru-RU" i="1"/>
+                                    </m:ctrlPr>
+                                  </m:sSubPr>
+                                  <m:e>
+                                    <m:r>
+                                      <a:rPr lang="en-US" i="1"/>
+                                      <m:t>𝑎</m:t>
+                                    </m:r>
+                                  </m:e>
+                                  <m:sub>
+                                    <m:r>
+                                      <a:rPr lang="ru-RU" i="1"/>
+                                      <m:t>2</m:t>
+                                    </m:r>
+                                  </m:sub>
+                                </m:sSub>
+                              </m:sup>
+                            </m:sSup>
+                          </m:e>
+                        </m:eqArr>
+                      </m:e>
+                    </m:d>
+                  </m:oMath>
+                </a14:m>
+                <a:endParaRPr lang="ru-RU" dirty="0"/>
+              </a:p>
+              <a:p>
+                <a:r>
+                  <a:rPr lang="ru-RU" dirty="0"/>
+                  <a:t>Параметры оценивались методом моментов, а проверка гипотез проводилась критерием хи-квадрат</a:t>
+                </a:r>
+              </a:p>
+            </p:txBody>
+          </p:sp>
+        </mc:Choice>
+        <mc:Fallback>
+          <p:sp>
+            <p:nvSpPr>
+              <p:cNvPr id="11" name="Объект 10">
+                <a:extLst>
+                  <a:ext uri="{FF2B5EF4-FFF2-40B4-BE49-F238E27FC236}">
+                    <a16:creationId xmlns:a16="http://schemas.microsoft.com/office/drawing/2014/main" id="{553F6043-0FCF-45E3-B283-435AA16FB8E0}"/>
+                  </a:ext>
+                </a:extLst>
+              </p:cNvPr>
+              <p:cNvSpPr>
+                <a:spLocks noGrp="1" noRot="1" noChangeAspect="1" noMove="1" noResize="1" noEditPoints="1" noAdjustHandles="1" noChangeArrowheads="1" noChangeShapeType="1" noTextEdit="1"/>
+              </p:cNvSpPr>
+              <p:nvPr>
+                <p:ph idx="1"/>
+              </p:nvPr>
+            </p:nvSpPr>
+            <p:spPr>
+              <a:xfrm>
+                <a:off x="487088" y="1710095"/>
+                <a:ext cx="10515600" cy="5268774"/>
+              </a:xfrm>
+              <a:blipFill>
+                <a:blip r:embed="rId4"/>
+                <a:stretch>
+                  <a:fillRect l="-696" t="-2431"/>
+                </a:stretch>
+              </a:blipFill>
+            </p:spPr>
+            <p:txBody>
+              <a:bodyPr/>
+              <a:lstStyle/>
+              <a:p>
+                <a:r>
+                  <a:rPr lang="ru-RU">
+                    <a:noFill/>
+                  </a:rPr>
+                  <a:t> </a:t>
+                </a:r>
+              </a:p>
+            </p:txBody>
+          </p:sp>
+        </mc:Fallback>
+      </mc:AlternateContent>
       <p:sp>
         <p:nvSpPr>
           <p:cNvPr id="17" name="Прямоугольник 16">
@@ -5149,8 +6311,8 @@
         </p:nvSpPr>
         <p:spPr>
           <a:xfrm>
-            <a:off x="7851101" y="2263324"/>
-            <a:ext cx="2557509" cy="584029"/>
+            <a:off x="7914534" y="2081980"/>
+            <a:ext cx="2739562" cy="745599"/>
           </a:xfrm>
           <a:prstGeom prst="rect">
             <a:avLst/>
@@ -5178,8 +6340,8 @@
           <a:p>
             <a:pPr algn="ctr"/>
             <a:r>
-              <a:rPr lang="ru-RU" dirty="0"/>
-              <a:t>Пуассоновское + пуассоновское</a:t>
+              <a:rPr lang="ru-RU" sz="1600" dirty="0"/>
+              <a:t>Смещенное пуассоновское +  Смещенное пуассоновское</a:t>
             </a:r>
           </a:p>
         </p:txBody>
@@ -5198,8 +6360,8 @@
         </p:nvSpPr>
         <p:spPr>
           <a:xfrm>
-            <a:off x="7851101" y="2992283"/>
-            <a:ext cx="2557509" cy="584029"/>
+            <a:off x="7876479" y="3004622"/>
+            <a:ext cx="2889687" cy="584029"/>
           </a:xfrm>
           <a:prstGeom prst="rect">
             <a:avLst/>
@@ -5228,7 +6390,7 @@
             <a:pPr algn="ctr"/>
             <a:r>
               <a:rPr lang="ru-RU" dirty="0"/>
-              <a:t>Геометрическое + пуассоновское</a:t>
+              <a:t>Геометрическое + Смещенное пуассоновское</a:t>
             </a:r>
           </a:p>
         </p:txBody>
@@ -5243,6 +6405,7 @@
             </a:extLst>
           </p:cNvPr>
           <p:cNvCxnSpPr>
+            <a:cxnSpLocks/>
             <a:stCxn id="17" idx="1"/>
             <a:endCxn id="6" idx="3"/>
           </p:cNvCxnSpPr>
@@ -5250,8 +6413,8 @@
         </p:nvCxnSpPr>
         <p:spPr>
           <a:xfrm flipH="1">
-            <a:off x="7426262" y="2555339"/>
-            <a:ext cx="424839" cy="357956"/>
+            <a:off x="7426321" y="2454780"/>
+            <a:ext cx="488213" cy="195757"/>
           </a:xfrm>
           <a:prstGeom prst="straightConnector1">
             <a:avLst/>
@@ -5285,6 +6448,7 @@
             </a:extLst>
           </p:cNvPr>
           <p:cNvCxnSpPr>
+            <a:cxnSpLocks/>
             <a:stCxn id="18" idx="1"/>
             <a:endCxn id="6" idx="3"/>
           </p:cNvCxnSpPr>
@@ -5292,8 +6456,8 @@
         </p:nvCxnSpPr>
         <p:spPr>
           <a:xfrm flipH="1" flipV="1">
-            <a:off x="7426262" y="2913295"/>
-            <a:ext cx="424839" cy="371003"/>
+            <a:off x="7426321" y="2650537"/>
+            <a:ext cx="450158" cy="646100"/>
           </a:xfrm>
           <a:prstGeom prst="straightConnector1">
             <a:avLst/>
@@ -5317,6 +6481,35 @@
           </a:fontRef>
         </p:style>
       </p:cxnSp>
+      <p:sp>
+        <p:nvSpPr>
+          <p:cNvPr id="3" name="Номер слайда 2">
+            <a:extLst>
+              <a:ext uri="{FF2B5EF4-FFF2-40B4-BE49-F238E27FC236}">
+                <a16:creationId xmlns:a16="http://schemas.microsoft.com/office/drawing/2014/main" id="{8EED5185-414A-4D9C-AEDB-BC72B432479B}"/>
+              </a:ext>
+            </a:extLst>
+          </p:cNvPr>
+          <p:cNvSpPr>
+            <a:spLocks noGrp="1"/>
+          </p:cNvSpPr>
+          <p:nvPr>
+            <p:ph type="sldNum" sz="quarter" idx="12"/>
+          </p:nvPr>
+        </p:nvSpPr>
+        <p:spPr/>
+        <p:txBody>
+          <a:bodyPr/>
+          <a:lstStyle/>
+          <a:p>
+            <a:fld id="{48F63A3B-78C7-47BE-AE5E-E10140E04643}" type="slidenum">
+              <a:rPr lang="en-US" smtClean="0"/>
+              <a:t>5</a:t>
+            </a:fld>
+            <a:endParaRPr lang="en-US" dirty="0"/>
+          </a:p>
+        </p:txBody>
+      </p:sp>
     </p:spTree>
     <p:extLst>
       <p:ext uri="{BB962C8B-B14F-4D97-AF65-F5344CB8AC3E}">
@@ -5404,24 +6597,61 @@
           <a:lstStyle/>
           <a:p>
             <a:r>
-              <a:rPr lang="ru-RU" sz="2400" dirty="0"/>
-              <a:t>Результаты показали, что геометрическое распределение лучше описывает поток количества событий</a:t>
-            </a:r>
-          </a:p>
-          <a:p>
-            <a:r>
-              <a:rPr lang="ru-RU" sz="2400" dirty="0"/>
+              <a:rPr lang="ru-RU" sz="2000" dirty="0"/>
+              <a:t>Результаты показали, что смесь</a:t>
+            </a:r>
+            <a:r>
+              <a:rPr lang="en-US" sz="2000" dirty="0"/>
+              <a:t> </a:t>
+            </a:r>
+            <a:r>
+              <a:rPr lang="ru-RU" sz="2000" dirty="0"/>
+              <a:t>геометрического и пуассоновского к распределение лучше описывает поток количества событий (геометрическое плохо описывает, из-за наличия выбросов – выход: рассмотрение смеси)</a:t>
+            </a:r>
+          </a:p>
+          <a:p>
+            <a:r>
+              <a:rPr lang="ru-RU" sz="2000" dirty="0"/>
               <a:t>Смещенное показательное так же хорошо описывает поток поступлений пачек</a:t>
             </a:r>
           </a:p>
           <a:p>
             <a:r>
-              <a:rPr lang="ru-RU" sz="2400" dirty="0"/>
+              <a:rPr lang="ru-RU" sz="2000" dirty="0"/>
               <a:t>Результаты справедливы как для России так и для США</a:t>
             </a:r>
           </a:p>
           <a:p>
             <a:endParaRPr lang="ru-RU" sz="2400" dirty="0"/>
+          </a:p>
+        </p:txBody>
+      </p:sp>
+      <p:sp>
+        <p:nvSpPr>
+          <p:cNvPr id="4" name="Номер слайда 3">
+            <a:extLst>
+              <a:ext uri="{FF2B5EF4-FFF2-40B4-BE49-F238E27FC236}">
+                <a16:creationId xmlns:a16="http://schemas.microsoft.com/office/drawing/2014/main" id="{78B309A8-D6CA-4639-A291-121888DAEF3D}"/>
+              </a:ext>
+            </a:extLst>
+          </p:cNvPr>
+          <p:cNvSpPr>
+            <a:spLocks noGrp="1"/>
+          </p:cNvSpPr>
+          <p:nvPr>
+            <p:ph type="sldNum" sz="quarter" idx="12"/>
+          </p:nvPr>
+        </p:nvSpPr>
+        <p:spPr/>
+        <p:txBody>
+          <a:bodyPr/>
+          <a:lstStyle/>
+          <a:p>
+            <a:fld id="{48F63A3B-78C7-47BE-AE5E-E10140E04643}" type="slidenum">
+              <a:rPr lang="en-US" smtClean="0"/>
+              <a:t>6</a:t>
+            </a:fld>
+            <a:endParaRPr lang="en-US" dirty="0"/>
           </a:p>
         </p:txBody>
       </p:sp>
@@ -5430,7 +6660,7 @@
           <p:cNvPr id="5" name="Рисунок 4">
             <a:extLst>
               <a:ext uri="{FF2B5EF4-FFF2-40B4-BE49-F238E27FC236}">
-                <a16:creationId xmlns:a16="http://schemas.microsoft.com/office/drawing/2014/main" id="{8DEFF53C-D703-43C7-B458-F0A69C6136F8}"/>
+                <a16:creationId xmlns:a16="http://schemas.microsoft.com/office/drawing/2014/main" id="{21374577-67FD-4E63-BD97-19E6C67A35BA}"/>
               </a:ext>
             </a:extLst>
           </p:cNvPr>
@@ -5447,8 +6677,8 @@
         </p:blipFill>
         <p:spPr>
           <a:xfrm>
-            <a:off x="226607" y="3205486"/>
-            <a:ext cx="5503882" cy="3527255"/>
+            <a:off x="304230" y="3016166"/>
+            <a:ext cx="5952663" cy="3841834"/>
           </a:xfrm>
           <a:prstGeom prst="rect">
             <a:avLst/>
@@ -5460,7 +6690,7 @@
           <p:cNvPr id="6" name="Рисунок 5">
             <a:extLst>
               <a:ext uri="{FF2B5EF4-FFF2-40B4-BE49-F238E27FC236}">
-                <a16:creationId xmlns:a16="http://schemas.microsoft.com/office/drawing/2014/main" id="{F7C2BCEF-BA74-4ACD-9B90-C56EABEA3154}"/>
+                <a16:creationId xmlns:a16="http://schemas.microsoft.com/office/drawing/2014/main" id="{BEB75548-B47C-4BDD-BCA9-62A2F4906CEC}"/>
               </a:ext>
             </a:extLst>
           </p:cNvPr>
@@ -5477,8 +6707,8 @@
         </p:blipFill>
         <p:spPr>
           <a:xfrm>
-            <a:off x="5655430" y="3205486"/>
-            <a:ext cx="5592974" cy="3580197"/>
+            <a:off x="6256893" y="3029299"/>
+            <a:ext cx="5935107" cy="3828701"/>
           </a:xfrm>
           <a:prstGeom prst="rect">
             <a:avLst/>
@@ -5520,7 +6750,7 @@
           <p:cNvPr id="2" name="Заголовок 1">
             <a:extLst>
               <a:ext uri="{FF2B5EF4-FFF2-40B4-BE49-F238E27FC236}">
-                <a16:creationId xmlns:a16="http://schemas.microsoft.com/office/drawing/2014/main" id="{051551EF-844D-4D2E-8B9C-6B9A973AC3F8}"/>
+                <a16:creationId xmlns:a16="http://schemas.microsoft.com/office/drawing/2014/main" id="{91153B94-B2F0-4C58-9E72-412AB3BB1EF9}"/>
               </a:ext>
             </a:extLst>
           </p:cNvPr>
@@ -5538,17 +6768,17 @@
           <a:p>
             <a:r>
               <a:rPr lang="ru-RU" dirty="0"/>
-              <a:t>Исходные файлы</a:t>
-            </a:r>
-          </a:p>
-        </p:txBody>
-      </p:sp>
-      <p:sp>
-        <p:nvSpPr>
-          <p:cNvPr id="3" name="Текст 2">
+              <a:t>Ссылки</a:t>
+            </a:r>
+          </a:p>
+        </p:txBody>
+      </p:sp>
+      <p:sp>
+        <p:nvSpPr>
+          <p:cNvPr id="3" name="Объект 2">
             <a:extLst>
               <a:ext uri="{FF2B5EF4-FFF2-40B4-BE49-F238E27FC236}">
-                <a16:creationId xmlns:a16="http://schemas.microsoft.com/office/drawing/2014/main" id="{142F82BF-6E67-4178-8159-A742FB057958}"/>
+                <a16:creationId xmlns:a16="http://schemas.microsoft.com/office/drawing/2014/main" id="{5A99288B-8E83-4A0E-8325-7CFAB9DFE34E}"/>
               </a:ext>
             </a:extLst>
           </p:cNvPr>
@@ -5556,7 +6786,93 @@
             <a:spLocks noGrp="1"/>
           </p:cNvSpPr>
           <p:nvPr>
-            <p:ph type="body" idx="1"/>
+            <p:ph idx="1"/>
+          </p:nvPr>
+        </p:nvSpPr>
+        <p:spPr/>
+        <p:txBody>
+          <a:bodyPr>
+            <a:normAutofit/>
+          </a:bodyPr>
+          <a:lstStyle/>
+          <a:p>
+            <a:pPr marL="514350" indent="-514350">
+              <a:buFont typeface="+mj-lt"/>
+              <a:buAutoNum type="arabicParenR"/>
+            </a:pPr>
+            <a:r>
+              <a:rPr lang="en-US" dirty="0">
+                <a:hlinkClick r:id="rId2"/>
+              </a:rPr>
+              <a:t>https://www.kaggle.com/START-UMD/gtd</a:t>
+            </a:r>
+            <a:endParaRPr lang="en-US" dirty="0"/>
+          </a:p>
+          <a:p>
+            <a:pPr marL="514350" indent="-514350">
+              <a:buFont typeface="+mj-lt"/>
+              <a:buAutoNum type="arabicParenR"/>
+            </a:pPr>
+            <a:r>
+              <a:rPr lang="en-US" dirty="0">
+                <a:hlinkClick r:id="rId3"/>
+              </a:rPr>
+              <a:t>https://github.com/AlexeyKumin/SW_Global_Terrorism</a:t>
+            </a:r>
+            <a:endParaRPr lang="en-US" dirty="0"/>
+          </a:p>
+          <a:p>
+            <a:pPr marL="514350" indent="-514350">
+              <a:buFont typeface="+mj-lt"/>
+              <a:buAutoNum type="arabicParenR"/>
+            </a:pPr>
+            <a:r>
+              <a:rPr lang="ru-RU" dirty="0"/>
+              <a:t>Кудрявцев Е.В., Федоткин М.А «Изучение характеристик транспортного потока большой плотности», 2013 </a:t>
+            </a:r>
+          </a:p>
+          <a:p>
+            <a:pPr marL="514350" indent="-514350">
+              <a:buFont typeface="+mj-lt"/>
+              <a:buAutoNum type="arabicParenR"/>
+            </a:pPr>
+            <a:r>
+              <a:rPr lang="ru-RU" dirty="0"/>
+              <a:t>Гнеденко Б.В., Коваленко И.Н. «Введение в теорию массового обслуживания» М.: Наука, 1966. — 432 с. </a:t>
+            </a:r>
+          </a:p>
+          <a:p>
+            <a:pPr marL="514350" indent="-514350">
+              <a:buFont typeface="+mj-lt"/>
+              <a:buAutoNum type="arabicParenR"/>
+            </a:pPr>
+            <a:r>
+              <a:rPr lang="ru-RU" dirty="0"/>
+              <a:t>Федоткин М.А. «Модели в теории вероятностей» ФИЗМАТЛИТ 2012. – 608 с. </a:t>
+            </a:r>
+          </a:p>
+          <a:p>
+            <a:pPr marL="0" indent="0">
+              <a:buNone/>
+            </a:pPr>
+            <a:endParaRPr lang="ru-RU" dirty="0"/>
+          </a:p>
+        </p:txBody>
+      </p:sp>
+      <p:sp>
+        <p:nvSpPr>
+          <p:cNvPr id="4" name="Номер слайда 3">
+            <a:extLst>
+              <a:ext uri="{FF2B5EF4-FFF2-40B4-BE49-F238E27FC236}">
+                <a16:creationId xmlns:a16="http://schemas.microsoft.com/office/drawing/2014/main" id="{5DEFC2BB-2937-4687-BE52-79CBB00AF587}"/>
+              </a:ext>
+            </a:extLst>
+          </p:cNvPr>
+          <p:cNvSpPr>
+            <a:spLocks noGrp="1"/>
+          </p:cNvSpPr>
+          <p:nvPr>
+            <p:ph type="sldNum" sz="quarter" idx="12"/>
           </p:nvPr>
         </p:nvSpPr>
         <p:spPr/>
@@ -5564,20 +6880,18 @@
           <a:bodyPr/>
           <a:lstStyle/>
           <a:p>
-            <a:r>
-              <a:rPr lang="en-US">
-                <a:hlinkClick r:id="rId2"/>
-              </a:rPr>
-              <a:t>https://github.com/AlexeyKumin/SW_Global_Terrorism</a:t>
-            </a:r>
-            <a:endParaRPr lang="ru-RU" dirty="0"/>
+            <a:fld id="{48F63A3B-78C7-47BE-AE5E-E10140E04643}" type="slidenum">
+              <a:rPr lang="en-US" smtClean="0"/>
+              <a:t>7</a:t>
+            </a:fld>
+            <a:endParaRPr lang="en-US" dirty="0"/>
           </a:p>
         </p:txBody>
       </p:sp>
     </p:spTree>
     <p:extLst>
       <p:ext uri="{BB962C8B-B14F-4D97-AF65-F5344CB8AC3E}">
-        <p14:creationId xmlns:p14="http://schemas.microsoft.com/office/powerpoint/2010/main" val="2132251"/>
+        <p14:creationId xmlns:p14="http://schemas.microsoft.com/office/powerpoint/2010/main" val="1407373206"/>
       </p:ext>
     </p:extLst>
   </p:cSld>
@@ -5846,4 +7160,594 @@
     </a:ext>
   </a:extLst>
 </a:theme>
+</file>
+
+<file path=ppt/theme/theme2.xml><?xml version="1.0" encoding="utf-8"?>
+<a:theme xmlns:a="http://schemas.openxmlformats.org/drawingml/2006/main" name="Тема Office">
+  <a:themeElements>
+    <a:clrScheme name="Стандартная">
+      <a:dk1>
+        <a:sysClr val="windowText" lastClr="000000"/>
+      </a:dk1>
+      <a:lt1>
+        <a:sysClr val="window" lastClr="FFFFFF"/>
+      </a:lt1>
+      <a:dk2>
+        <a:srgbClr val="44546A"/>
+      </a:dk2>
+      <a:lt2>
+        <a:srgbClr val="E7E6E6"/>
+      </a:lt2>
+      <a:accent1>
+        <a:srgbClr val="4472C4"/>
+      </a:accent1>
+      <a:accent2>
+        <a:srgbClr val="ED7D31"/>
+      </a:accent2>
+      <a:accent3>
+        <a:srgbClr val="A5A5A5"/>
+      </a:accent3>
+      <a:accent4>
+        <a:srgbClr val="FFC000"/>
+      </a:accent4>
+      <a:accent5>
+        <a:srgbClr val="5B9BD5"/>
+      </a:accent5>
+      <a:accent6>
+        <a:srgbClr val="70AD47"/>
+      </a:accent6>
+      <a:hlink>
+        <a:srgbClr val="0563C1"/>
+      </a:hlink>
+      <a:folHlink>
+        <a:srgbClr val="954F72"/>
+      </a:folHlink>
+    </a:clrScheme>
+    <a:fontScheme name="Стандартная">
+      <a:majorFont>
+        <a:latin typeface="Calibri Light" panose="020F0302020204030204"/>
+        <a:ea typeface=""/>
+        <a:cs typeface=""/>
+        <a:font script="Jpan" typeface="游ゴシック Light"/>
+        <a:font script="Hang" typeface="맑은 고딕"/>
+        <a:font script="Hans" typeface="等线 Light"/>
+        <a:font script="Hant" typeface="新細明體"/>
+        <a:font script="Arab" typeface="Times New Roman"/>
+        <a:font script="Hebr" typeface="Times New Roman"/>
+        <a:font script="Thai" typeface="Angsana New"/>
+        <a:font script="Ethi" typeface="Nyala"/>
+        <a:font script="Beng" typeface="Vrinda"/>
+        <a:font script="Gujr" typeface="Shruti"/>
+        <a:font script="Khmr" typeface="MoolBoran"/>
+        <a:font script="Knda" typeface="Tunga"/>
+        <a:font script="Guru" typeface="Raavi"/>
+        <a:font script="Cans" typeface="Euphemia"/>
+        <a:font script="Cher" typeface="Plantagenet Cherokee"/>
+        <a:font script="Yiii" typeface="Microsoft Yi Baiti"/>
+        <a:font script="Tibt" typeface="Microsoft Himalaya"/>
+        <a:font script="Thaa" typeface="MV Boli"/>
+        <a:font script="Deva" typeface="Mangal"/>
+        <a:font script="Telu" typeface="Gautami"/>
+        <a:font script="Taml" typeface="Latha"/>
+        <a:font script="Syrc" typeface="Estrangelo Edessa"/>
+        <a:font script="Orya" typeface="Kalinga"/>
+        <a:font script="Mlym" typeface="Kartika"/>
+        <a:font script="Laoo" typeface="DokChampa"/>
+        <a:font script="Sinh" typeface="Iskoola Pota"/>
+        <a:font script="Mong" typeface="Mongolian Baiti"/>
+        <a:font script="Viet" typeface="Times New Roman"/>
+        <a:font script="Uigh" typeface="Microsoft Uighur"/>
+        <a:font script="Geor" typeface="Sylfaen"/>
+        <a:font script="Armn" typeface="Arial"/>
+        <a:font script="Bugi" typeface="Leelawadee UI"/>
+        <a:font script="Bopo" typeface="Microsoft JhengHei"/>
+        <a:font script="Java" typeface="Javanese Text"/>
+        <a:font script="Lisu" typeface="Segoe UI"/>
+        <a:font script="Mymr" typeface="Myanmar Text"/>
+        <a:font script="Nkoo" typeface="Ebrima"/>
+        <a:font script="Olck" typeface="Nirmala UI"/>
+        <a:font script="Osma" typeface="Ebrima"/>
+        <a:font script="Phag" typeface="Phagspa"/>
+        <a:font script="Syrn" typeface="Estrangelo Edessa"/>
+        <a:font script="Syrj" typeface="Estrangelo Edessa"/>
+        <a:font script="Syre" typeface="Estrangelo Edessa"/>
+        <a:font script="Sora" typeface="Nirmala UI"/>
+        <a:font script="Tale" typeface="Microsoft Tai Le"/>
+        <a:font script="Talu" typeface="Microsoft New Tai Lue"/>
+        <a:font script="Tfng" typeface="Ebrima"/>
+      </a:majorFont>
+      <a:minorFont>
+        <a:latin typeface="Calibri" panose="020F0502020204030204"/>
+        <a:ea typeface=""/>
+        <a:cs typeface=""/>
+        <a:font script="Jpan" typeface="游ゴシック"/>
+        <a:font script="Hang" typeface="맑은 고딕"/>
+        <a:font script="Hans" typeface="等线"/>
+        <a:font script="Hant" typeface="新細明體"/>
+        <a:font script="Arab" typeface="Arial"/>
+        <a:font script="Hebr" typeface="Arial"/>
+        <a:font script="Thai" typeface="Cordia New"/>
+        <a:font script="Ethi" typeface="Nyala"/>
+        <a:font script="Beng" typeface="Vrinda"/>
+        <a:font script="Gujr" typeface="Shruti"/>
+        <a:font script="Khmr" typeface="DaunPenh"/>
+        <a:font script="Knda" typeface="Tunga"/>
+        <a:font script="Guru" typeface="Raavi"/>
+        <a:font script="Cans" typeface="Euphemia"/>
+        <a:font script="Cher" typeface="Plantagenet Cherokee"/>
+        <a:font script="Yiii" typeface="Microsoft Yi Baiti"/>
+        <a:font script="Tibt" typeface="Microsoft Himalaya"/>
+        <a:font script="Thaa" typeface="MV Boli"/>
+        <a:font script="Deva" typeface="Mangal"/>
+        <a:font script="Telu" typeface="Gautami"/>
+        <a:font script="Taml" typeface="Latha"/>
+        <a:font script="Syrc" typeface="Estrangelo Edessa"/>
+        <a:font script="Orya" typeface="Kalinga"/>
+        <a:font script="Mlym" typeface="Kartika"/>
+        <a:font script="Laoo" typeface="DokChampa"/>
+        <a:font script="Sinh" typeface="Iskoola Pota"/>
+        <a:font script="Mong" typeface="Mongolian Baiti"/>
+        <a:font script="Viet" typeface="Arial"/>
+        <a:font script="Uigh" typeface="Microsoft Uighur"/>
+        <a:font script="Geor" typeface="Sylfaen"/>
+        <a:font script="Armn" typeface="Arial"/>
+        <a:font script="Bugi" typeface="Leelawadee UI"/>
+        <a:font script="Bopo" typeface="Microsoft JhengHei"/>
+        <a:font script="Java" typeface="Javanese Text"/>
+        <a:font script="Lisu" typeface="Segoe UI"/>
+        <a:font script="Mymr" typeface="Myanmar Text"/>
+        <a:font script="Nkoo" typeface="Ebrima"/>
+        <a:font script="Olck" typeface="Nirmala UI"/>
+        <a:font script="Osma" typeface="Ebrima"/>
+        <a:font script="Phag" typeface="Phagspa"/>
+        <a:font script="Syrn" typeface="Estrangelo Edessa"/>
+        <a:font script="Syrj" typeface="Estrangelo Edessa"/>
+        <a:font script="Syre" typeface="Estrangelo Edessa"/>
+        <a:font script="Sora" typeface="Nirmala UI"/>
+        <a:font script="Tale" typeface="Microsoft Tai Le"/>
+        <a:font script="Talu" typeface="Microsoft New Tai Lue"/>
+        <a:font script="Tfng" typeface="Ebrima"/>
+      </a:minorFont>
+    </a:fontScheme>
+    <a:fmtScheme name="Стандартная">
+      <a:fillStyleLst>
+        <a:solidFill>
+          <a:schemeClr val="phClr"/>
+        </a:solidFill>
+        <a:gradFill rotWithShape="1">
+          <a:gsLst>
+            <a:gs pos="0">
+              <a:schemeClr val="phClr">
+                <a:lumMod val="110000"/>
+                <a:satMod val="105000"/>
+                <a:tint val="67000"/>
+              </a:schemeClr>
+            </a:gs>
+            <a:gs pos="50000">
+              <a:schemeClr val="phClr">
+                <a:lumMod val="105000"/>
+                <a:satMod val="103000"/>
+                <a:tint val="73000"/>
+              </a:schemeClr>
+            </a:gs>
+            <a:gs pos="100000">
+              <a:schemeClr val="phClr">
+                <a:lumMod val="105000"/>
+                <a:satMod val="109000"/>
+                <a:tint val="81000"/>
+              </a:schemeClr>
+            </a:gs>
+          </a:gsLst>
+          <a:lin ang="5400000" scaled="0"/>
+        </a:gradFill>
+        <a:gradFill rotWithShape="1">
+          <a:gsLst>
+            <a:gs pos="0">
+              <a:schemeClr val="phClr">
+                <a:satMod val="103000"/>
+                <a:lumMod val="102000"/>
+                <a:tint val="94000"/>
+              </a:schemeClr>
+            </a:gs>
+            <a:gs pos="50000">
+              <a:schemeClr val="phClr">
+                <a:satMod val="110000"/>
+                <a:lumMod val="100000"/>
+                <a:shade val="100000"/>
+              </a:schemeClr>
+            </a:gs>
+            <a:gs pos="100000">
+              <a:schemeClr val="phClr">
+                <a:lumMod val="99000"/>
+                <a:satMod val="120000"/>
+                <a:shade val="78000"/>
+              </a:schemeClr>
+            </a:gs>
+          </a:gsLst>
+          <a:lin ang="5400000" scaled="0"/>
+        </a:gradFill>
+      </a:fillStyleLst>
+      <a:lnStyleLst>
+        <a:ln w="6350" cap="flat" cmpd="sng" algn="ctr">
+          <a:solidFill>
+            <a:schemeClr val="phClr"/>
+          </a:solidFill>
+          <a:prstDash val="solid"/>
+          <a:miter lim="800000"/>
+        </a:ln>
+        <a:ln w="12700" cap="flat" cmpd="sng" algn="ctr">
+          <a:solidFill>
+            <a:schemeClr val="phClr"/>
+          </a:solidFill>
+          <a:prstDash val="solid"/>
+          <a:miter lim="800000"/>
+        </a:ln>
+        <a:ln w="19050" cap="flat" cmpd="sng" algn="ctr">
+          <a:solidFill>
+            <a:schemeClr val="phClr"/>
+          </a:solidFill>
+          <a:prstDash val="solid"/>
+          <a:miter lim="800000"/>
+        </a:ln>
+      </a:lnStyleLst>
+      <a:effectStyleLst>
+        <a:effectStyle>
+          <a:effectLst/>
+        </a:effectStyle>
+        <a:effectStyle>
+          <a:effectLst/>
+        </a:effectStyle>
+        <a:effectStyle>
+          <a:effectLst>
+            <a:outerShdw blurRad="57150" dist="19050" dir="5400000" algn="ctr" rotWithShape="0">
+              <a:srgbClr val="000000">
+                <a:alpha val="63000"/>
+              </a:srgbClr>
+            </a:outerShdw>
+          </a:effectLst>
+        </a:effectStyle>
+      </a:effectStyleLst>
+      <a:bgFillStyleLst>
+        <a:solidFill>
+          <a:schemeClr val="phClr"/>
+        </a:solidFill>
+        <a:solidFill>
+          <a:schemeClr val="phClr">
+            <a:tint val="95000"/>
+            <a:satMod val="170000"/>
+          </a:schemeClr>
+        </a:solidFill>
+        <a:gradFill rotWithShape="1">
+          <a:gsLst>
+            <a:gs pos="0">
+              <a:schemeClr val="phClr">
+                <a:tint val="93000"/>
+                <a:satMod val="150000"/>
+                <a:shade val="98000"/>
+                <a:lumMod val="102000"/>
+              </a:schemeClr>
+            </a:gs>
+            <a:gs pos="50000">
+              <a:schemeClr val="phClr">
+                <a:tint val="98000"/>
+                <a:satMod val="130000"/>
+                <a:shade val="90000"/>
+                <a:lumMod val="103000"/>
+              </a:schemeClr>
+            </a:gs>
+            <a:gs pos="100000">
+              <a:schemeClr val="phClr">
+                <a:shade val="63000"/>
+                <a:satMod val="120000"/>
+              </a:schemeClr>
+            </a:gs>
+          </a:gsLst>
+          <a:lin ang="5400000" scaled="0"/>
+        </a:gradFill>
+      </a:bgFillStyleLst>
+    </a:fmtScheme>
+  </a:themeElements>
+  <a:objectDefaults/>
+  <a:extraClrSchemeLst/>
+  <a:extLst>
+    <a:ext uri="{05A4C25C-085E-4340-85A3-A5531E510DB2}">
+      <thm15:themeFamily xmlns:thm15="http://schemas.microsoft.com/office/thememl/2012/main" name="Office Theme" id="{62F939B6-93AF-4DB8-9C6B-D6C7DFDC589F}" vid="{4A3C46E8-61CC-4603-A589-7422A47A8E4A}"/>
+    </a:ext>
+  </a:extLst>
+</a:theme>
+</file>
+
+<file path=ppt/theme/theme3.xml><?xml version="1.0" encoding="utf-8"?>
+<a:theme xmlns:a="http://schemas.openxmlformats.org/drawingml/2006/main" name="Тема Office">
+  <a:themeElements>
+    <a:clrScheme name="Стандартная">
+      <a:dk1>
+        <a:sysClr val="windowText" lastClr="000000"/>
+      </a:dk1>
+      <a:lt1>
+        <a:sysClr val="window" lastClr="FFFFFF"/>
+      </a:lt1>
+      <a:dk2>
+        <a:srgbClr val="44546A"/>
+      </a:dk2>
+      <a:lt2>
+        <a:srgbClr val="E7E6E6"/>
+      </a:lt2>
+      <a:accent1>
+        <a:srgbClr val="4472C4"/>
+      </a:accent1>
+      <a:accent2>
+        <a:srgbClr val="ED7D31"/>
+      </a:accent2>
+      <a:accent3>
+        <a:srgbClr val="A5A5A5"/>
+      </a:accent3>
+      <a:accent4>
+        <a:srgbClr val="FFC000"/>
+      </a:accent4>
+      <a:accent5>
+        <a:srgbClr val="5B9BD5"/>
+      </a:accent5>
+      <a:accent6>
+        <a:srgbClr val="70AD47"/>
+      </a:accent6>
+      <a:hlink>
+        <a:srgbClr val="0563C1"/>
+      </a:hlink>
+      <a:folHlink>
+        <a:srgbClr val="954F72"/>
+      </a:folHlink>
+    </a:clrScheme>
+    <a:fontScheme name="Стандартная">
+      <a:majorFont>
+        <a:latin typeface="Calibri Light" panose="020F0302020204030204"/>
+        <a:ea typeface=""/>
+        <a:cs typeface=""/>
+        <a:font script="Jpan" typeface="游ゴシック Light"/>
+        <a:font script="Hang" typeface="맑은 고딕"/>
+        <a:font script="Hans" typeface="等线 Light"/>
+        <a:font script="Hant" typeface="新細明體"/>
+        <a:font script="Arab" typeface="Times New Roman"/>
+        <a:font script="Hebr" typeface="Times New Roman"/>
+        <a:font script="Thai" typeface="Angsana New"/>
+        <a:font script="Ethi" typeface="Nyala"/>
+        <a:font script="Beng" typeface="Vrinda"/>
+        <a:font script="Gujr" typeface="Shruti"/>
+        <a:font script="Khmr" typeface="MoolBoran"/>
+        <a:font script="Knda" typeface="Tunga"/>
+        <a:font script="Guru" typeface="Raavi"/>
+        <a:font script="Cans" typeface="Euphemia"/>
+        <a:font script="Cher" typeface="Plantagenet Cherokee"/>
+        <a:font script="Yiii" typeface="Microsoft Yi Baiti"/>
+        <a:font script="Tibt" typeface="Microsoft Himalaya"/>
+        <a:font script="Thaa" typeface="MV Boli"/>
+        <a:font script="Deva" typeface="Mangal"/>
+        <a:font script="Telu" typeface="Gautami"/>
+        <a:font script="Taml" typeface="Latha"/>
+        <a:font script="Syrc" typeface="Estrangelo Edessa"/>
+        <a:font script="Orya" typeface="Kalinga"/>
+        <a:font script="Mlym" typeface="Kartika"/>
+        <a:font script="Laoo" typeface="DokChampa"/>
+        <a:font script="Sinh" typeface="Iskoola Pota"/>
+        <a:font script="Mong" typeface="Mongolian Baiti"/>
+        <a:font script="Viet" typeface="Times New Roman"/>
+        <a:font script="Uigh" typeface="Microsoft Uighur"/>
+        <a:font script="Geor" typeface="Sylfaen"/>
+        <a:font script="Armn" typeface="Arial"/>
+        <a:font script="Bugi" typeface="Leelawadee UI"/>
+        <a:font script="Bopo" typeface="Microsoft JhengHei"/>
+        <a:font script="Java" typeface="Javanese Text"/>
+        <a:font script="Lisu" typeface="Segoe UI"/>
+        <a:font script="Mymr" typeface="Myanmar Text"/>
+        <a:font script="Nkoo" typeface="Ebrima"/>
+        <a:font script="Olck" typeface="Nirmala UI"/>
+        <a:font script="Osma" typeface="Ebrima"/>
+        <a:font script="Phag" typeface="Phagspa"/>
+        <a:font script="Syrn" typeface="Estrangelo Edessa"/>
+        <a:font script="Syrj" typeface="Estrangelo Edessa"/>
+        <a:font script="Syre" typeface="Estrangelo Edessa"/>
+        <a:font script="Sora" typeface="Nirmala UI"/>
+        <a:font script="Tale" typeface="Microsoft Tai Le"/>
+        <a:font script="Talu" typeface="Microsoft New Tai Lue"/>
+        <a:font script="Tfng" typeface="Ebrima"/>
+      </a:majorFont>
+      <a:minorFont>
+        <a:latin typeface="Calibri" panose="020F0502020204030204"/>
+        <a:ea typeface=""/>
+        <a:cs typeface=""/>
+        <a:font script="Jpan" typeface="游ゴシック"/>
+        <a:font script="Hang" typeface="맑은 고딕"/>
+        <a:font script="Hans" typeface="等线"/>
+        <a:font script="Hant" typeface="新細明體"/>
+        <a:font script="Arab" typeface="Arial"/>
+        <a:font script="Hebr" typeface="Arial"/>
+        <a:font script="Thai" typeface="Cordia New"/>
+        <a:font script="Ethi" typeface="Nyala"/>
+        <a:font script="Beng" typeface="Vrinda"/>
+        <a:font script="Gujr" typeface="Shruti"/>
+        <a:font script="Khmr" typeface="DaunPenh"/>
+        <a:font script="Knda" typeface="Tunga"/>
+        <a:font script="Guru" typeface="Raavi"/>
+        <a:font script="Cans" typeface="Euphemia"/>
+        <a:font script="Cher" typeface="Plantagenet Cherokee"/>
+        <a:font script="Yiii" typeface="Microsoft Yi Baiti"/>
+        <a:font script="Tibt" typeface="Microsoft Himalaya"/>
+        <a:font script="Thaa" typeface="MV Boli"/>
+        <a:font script="Deva" typeface="Mangal"/>
+        <a:font script="Telu" typeface="Gautami"/>
+        <a:font script="Taml" typeface="Latha"/>
+        <a:font script="Syrc" typeface="Estrangelo Edessa"/>
+        <a:font script="Orya" typeface="Kalinga"/>
+        <a:font script="Mlym" typeface="Kartika"/>
+        <a:font script="Laoo" typeface="DokChampa"/>
+        <a:font script="Sinh" typeface="Iskoola Pota"/>
+        <a:font script="Mong" typeface="Mongolian Baiti"/>
+        <a:font script="Viet" typeface="Arial"/>
+        <a:font script="Uigh" typeface="Microsoft Uighur"/>
+        <a:font script="Geor" typeface="Sylfaen"/>
+        <a:font script="Armn" typeface="Arial"/>
+        <a:font script="Bugi" typeface="Leelawadee UI"/>
+        <a:font script="Bopo" typeface="Microsoft JhengHei"/>
+        <a:font script="Java" typeface="Javanese Text"/>
+        <a:font script="Lisu" typeface="Segoe UI"/>
+        <a:font script="Mymr" typeface="Myanmar Text"/>
+        <a:font script="Nkoo" typeface="Ebrima"/>
+        <a:font script="Olck" typeface="Nirmala UI"/>
+        <a:font script="Osma" typeface="Ebrima"/>
+        <a:font script="Phag" typeface="Phagspa"/>
+        <a:font script="Syrn" typeface="Estrangelo Edessa"/>
+        <a:font script="Syrj" typeface="Estrangelo Edessa"/>
+        <a:font script="Syre" typeface="Estrangelo Edessa"/>
+        <a:font script="Sora" typeface="Nirmala UI"/>
+        <a:font script="Tale" typeface="Microsoft Tai Le"/>
+        <a:font script="Talu" typeface="Microsoft New Tai Lue"/>
+        <a:font script="Tfng" typeface="Ebrima"/>
+      </a:minorFont>
+    </a:fontScheme>
+    <a:fmtScheme name="Стандартная">
+      <a:fillStyleLst>
+        <a:solidFill>
+          <a:schemeClr val="phClr"/>
+        </a:solidFill>
+        <a:gradFill rotWithShape="1">
+          <a:gsLst>
+            <a:gs pos="0">
+              <a:schemeClr val="phClr">
+                <a:lumMod val="110000"/>
+                <a:satMod val="105000"/>
+                <a:tint val="67000"/>
+              </a:schemeClr>
+            </a:gs>
+            <a:gs pos="50000">
+              <a:schemeClr val="phClr">
+                <a:lumMod val="105000"/>
+                <a:satMod val="103000"/>
+                <a:tint val="73000"/>
+              </a:schemeClr>
+            </a:gs>
+            <a:gs pos="100000">
+              <a:schemeClr val="phClr">
+                <a:lumMod val="105000"/>
+                <a:satMod val="109000"/>
+                <a:tint val="81000"/>
+              </a:schemeClr>
+            </a:gs>
+          </a:gsLst>
+          <a:lin ang="5400000" scaled="0"/>
+        </a:gradFill>
+        <a:gradFill rotWithShape="1">
+          <a:gsLst>
+            <a:gs pos="0">
+              <a:schemeClr val="phClr">
+                <a:satMod val="103000"/>
+                <a:lumMod val="102000"/>
+                <a:tint val="94000"/>
+              </a:schemeClr>
+            </a:gs>
+            <a:gs pos="50000">
+              <a:schemeClr val="phClr">
+                <a:satMod val="110000"/>
+                <a:lumMod val="100000"/>
+                <a:shade val="100000"/>
+              </a:schemeClr>
+            </a:gs>
+            <a:gs pos="100000">
+              <a:schemeClr val="phClr">
+                <a:lumMod val="99000"/>
+                <a:satMod val="120000"/>
+                <a:shade val="78000"/>
+              </a:schemeClr>
+            </a:gs>
+          </a:gsLst>
+          <a:lin ang="5400000" scaled="0"/>
+        </a:gradFill>
+      </a:fillStyleLst>
+      <a:lnStyleLst>
+        <a:ln w="6350" cap="flat" cmpd="sng" algn="ctr">
+          <a:solidFill>
+            <a:schemeClr val="phClr"/>
+          </a:solidFill>
+          <a:prstDash val="solid"/>
+          <a:miter lim="800000"/>
+        </a:ln>
+        <a:ln w="12700" cap="flat" cmpd="sng" algn="ctr">
+          <a:solidFill>
+            <a:schemeClr val="phClr"/>
+          </a:solidFill>
+          <a:prstDash val="solid"/>
+          <a:miter lim="800000"/>
+        </a:ln>
+        <a:ln w="19050" cap="flat" cmpd="sng" algn="ctr">
+          <a:solidFill>
+            <a:schemeClr val="phClr"/>
+          </a:solidFill>
+          <a:prstDash val="solid"/>
+          <a:miter lim="800000"/>
+        </a:ln>
+      </a:lnStyleLst>
+      <a:effectStyleLst>
+        <a:effectStyle>
+          <a:effectLst/>
+        </a:effectStyle>
+        <a:effectStyle>
+          <a:effectLst/>
+        </a:effectStyle>
+        <a:effectStyle>
+          <a:effectLst>
+            <a:outerShdw blurRad="57150" dist="19050" dir="5400000" algn="ctr" rotWithShape="0">
+              <a:srgbClr val="000000">
+                <a:alpha val="63000"/>
+              </a:srgbClr>
+            </a:outerShdw>
+          </a:effectLst>
+        </a:effectStyle>
+      </a:effectStyleLst>
+      <a:bgFillStyleLst>
+        <a:solidFill>
+          <a:schemeClr val="phClr"/>
+        </a:solidFill>
+        <a:solidFill>
+          <a:schemeClr val="phClr">
+            <a:tint val="95000"/>
+            <a:satMod val="170000"/>
+          </a:schemeClr>
+        </a:solidFill>
+        <a:gradFill rotWithShape="1">
+          <a:gsLst>
+            <a:gs pos="0">
+              <a:schemeClr val="phClr">
+                <a:tint val="93000"/>
+                <a:satMod val="150000"/>
+                <a:shade val="98000"/>
+                <a:lumMod val="102000"/>
+              </a:schemeClr>
+            </a:gs>
+            <a:gs pos="50000">
+              <a:schemeClr val="phClr">
+                <a:tint val="98000"/>
+                <a:satMod val="130000"/>
+                <a:shade val="90000"/>
+                <a:lumMod val="103000"/>
+              </a:schemeClr>
+            </a:gs>
+            <a:gs pos="100000">
+              <a:schemeClr val="phClr">
+                <a:shade val="63000"/>
+                <a:satMod val="120000"/>
+              </a:schemeClr>
+            </a:gs>
+          </a:gsLst>
+          <a:lin ang="5400000" scaled="0"/>
+        </a:gradFill>
+      </a:bgFillStyleLst>
+    </a:fmtScheme>
+  </a:themeElements>
+  <a:objectDefaults/>
+  <a:extraClrSchemeLst/>
+  <a:extLst>
+    <a:ext uri="{05A4C25C-085E-4340-85A3-A5531E510DB2}">
+      <thm15:themeFamily xmlns:thm15="http://schemas.microsoft.com/office/thememl/2012/main" name="Office Theme" id="{62F939B6-93AF-4DB8-9C6B-D6C7DFDC589F}" vid="{4A3C46E8-61CC-4603-A589-7422A47A8E4A}"/>
+    </a:ext>
+  </a:extLst>
+</a:theme>
 </file>